--- a/VXL.pptx
+++ b/VXL.pptx
@@ -5,7 +5,7 @@
     <p:sldMasterId id="2147483680" r:id="rId1"/>
   </p:sldMasterIdLst>
   <p:notesMasterIdLst>
-    <p:notesMasterId r:id="rId17"/>
+    <p:notesMasterId r:id="rId18"/>
   </p:notesMasterIdLst>
   <p:sldIdLst>
     <p:sldId id="256" r:id="rId2"/>
@@ -13,59 +13,60 @@
     <p:sldId id="399" r:id="rId4"/>
     <p:sldId id="260" r:id="rId5"/>
     <p:sldId id="407" r:id="rId6"/>
-    <p:sldId id="368" r:id="rId7"/>
-    <p:sldId id="406" r:id="rId8"/>
-    <p:sldId id="409" r:id="rId9"/>
-    <p:sldId id="402" r:id="rId10"/>
-    <p:sldId id="405" r:id="rId11"/>
-    <p:sldId id="410" r:id="rId12"/>
-    <p:sldId id="403" r:id="rId13"/>
-    <p:sldId id="408" r:id="rId14"/>
-    <p:sldId id="404" r:id="rId15"/>
-    <p:sldId id="398" r:id="rId16"/>
+    <p:sldId id="411" r:id="rId7"/>
+    <p:sldId id="368" r:id="rId8"/>
+    <p:sldId id="406" r:id="rId9"/>
+    <p:sldId id="409" r:id="rId10"/>
+    <p:sldId id="402" r:id="rId11"/>
+    <p:sldId id="405" r:id="rId12"/>
+    <p:sldId id="410" r:id="rId13"/>
+    <p:sldId id="403" r:id="rId14"/>
+    <p:sldId id="408" r:id="rId15"/>
+    <p:sldId id="404" r:id="rId16"/>
+    <p:sldId id="398" r:id="rId17"/>
   </p:sldIdLst>
   <p:sldSz cx="9144000" cy="5143500" type="screen16x9"/>
   <p:notesSz cx="6858000" cy="9144000"/>
   <p:embeddedFontLst>
     <p:embeddedFont>
       <p:font typeface="Lato" panose="020B0604020202020204" charset="0"/>
-      <p:regular r:id="rId18"/>
-      <p:bold r:id="rId19"/>
-      <p:italic r:id="rId20"/>
-      <p:boldItalic r:id="rId21"/>
+      <p:regular r:id="rId19"/>
+      <p:bold r:id="rId20"/>
+      <p:italic r:id="rId21"/>
+      <p:boldItalic r:id="rId22"/>
+    </p:embeddedFont>
+    <p:embeddedFont>
+      <p:font typeface="Fira Sans Extra Condensed Medium" panose="020B0604020202020204" charset="0"/>
+      <p:regular r:id="rId23"/>
+      <p:bold r:id="rId24"/>
+      <p:italic r:id="rId25"/>
+      <p:boldItalic r:id="rId26"/>
     </p:embeddedFont>
     <p:embeddedFont>
       <p:font typeface="Google Sans" panose="020B0503030502040204" pitchFamily="34" charset="0"/>
-      <p:regular r:id="rId22"/>
-      <p:bold r:id="rId23"/>
-      <p:italic r:id="rId24"/>
-      <p:boldItalic r:id="rId25"/>
+      <p:regular r:id="rId27"/>
+      <p:bold r:id="rId28"/>
+      <p:italic r:id="rId29"/>
+      <p:boldItalic r:id="rId30"/>
     </p:embeddedFont>
     <p:embeddedFont>
-      <p:font typeface="Fira Sans Extra Condensed Medium" panose="020B0604020202020204" charset="0"/>
-      <p:regular r:id="rId26"/>
-      <p:bold r:id="rId27"/>
-      <p:italic r:id="rId28"/>
-      <p:boldItalic r:id="rId29"/>
+      <p:font typeface="Open Sans" panose="020B0604020202020204" charset="0"/>
+      <p:regular r:id="rId31"/>
+      <p:bold r:id="rId32"/>
+      <p:italic r:id="rId33"/>
+      <p:boldItalic r:id="rId34"/>
     </p:embeddedFont>
     <p:embeddedFont>
       <p:font typeface="Lato Light" panose="020B0604020202020204" charset="0"/>
-      <p:regular r:id="rId30"/>
-      <p:bold r:id="rId31"/>
-      <p:italic r:id="rId32"/>
-      <p:boldItalic r:id="rId33"/>
+      <p:regular r:id="rId35"/>
+      <p:bold r:id="rId36"/>
+      <p:italic r:id="rId37"/>
+      <p:boldItalic r:id="rId38"/>
     </p:embeddedFont>
     <p:embeddedFont>
       <p:font typeface="Montserrat Black" panose="020B0604020202020204" charset="0"/>
-      <p:bold r:id="rId34"/>
-      <p:boldItalic r:id="rId35"/>
-    </p:embeddedFont>
-    <p:embeddedFont>
-      <p:font typeface="Open Sans" panose="020B0604020202020204" charset="0"/>
-      <p:regular r:id="rId36"/>
-      <p:bold r:id="rId37"/>
-      <p:italic r:id="rId38"/>
-      <p:boldItalic r:id="rId39"/>
+      <p:bold r:id="rId39"/>
+      <p:boldItalic r:id="rId40"/>
     </p:embeddedFont>
   </p:embeddedFontLst>
   <p:defaultTextStyle>
@@ -865,7 +866,7 @@
   <p:cSld>
     <p:spTree>
       <p:nvGrpSpPr>
-        <p:cNvPr id="1" name="Shape 427"/>
+        <p:cNvPr id="1" name="Shape 362"/>
         <p:cNvGrpSpPr/>
         <p:nvPr/>
       </p:nvGrpSpPr>
@@ -879,7 +880,7 @@
       </p:grpSpPr>
       <p:sp>
         <p:nvSpPr>
-          <p:cNvPr id="428" name="Google Shape;428;ga46eb17aa6_0_121:notes"/>
+          <p:cNvPr id="363" name="Google Shape;363;gab14034664_0_632:notes"/>
           <p:cNvSpPr>
             <a:spLocks noGrp="1" noRot="1" noChangeAspect="1"/>
           </p:cNvSpPr>
@@ -920,7 +921,7 @@
       </p:sp>
       <p:sp>
         <p:nvSpPr>
-          <p:cNvPr id="429" name="Google Shape;429;ga46eb17aa6_0_121:notes"/>
+          <p:cNvPr id="364" name="Google Shape;364;gab14034664_0_632:notes"/>
           <p:cNvSpPr txBox="1">
             <a:spLocks noGrp="1"/>
           </p:cNvSpPr>
@@ -959,7 +960,7 @@
     </p:spTree>
     <p:extLst>
       <p:ext uri="{BB962C8B-B14F-4D97-AF65-F5344CB8AC3E}">
-        <p14:creationId xmlns:p14="http://schemas.microsoft.com/office/powerpoint/2010/main" val="1879184161"/>
+        <p14:creationId xmlns:p14="http://schemas.microsoft.com/office/powerpoint/2010/main" val="835686317"/>
       </p:ext>
     </p:extLst>
   </p:cSld>
@@ -1068,6 +1069,115 @@
     </p:spTree>
     <p:extLst>
       <p:ext uri="{BB962C8B-B14F-4D97-AF65-F5344CB8AC3E}">
+        <p14:creationId xmlns:p14="http://schemas.microsoft.com/office/powerpoint/2010/main" val="1879184161"/>
+      </p:ext>
+    </p:extLst>
+  </p:cSld>
+  <p:clrMapOvr>
+    <a:masterClrMapping/>
+  </p:clrMapOvr>
+</p:notes>
+</file>
+
+<file path=ppt/notesSlides/notesSlide12.xml><?xml version="1.0" encoding="utf-8"?>
+<p:notes xmlns:a="http://schemas.openxmlformats.org/drawingml/2006/main" xmlns:r="http://schemas.openxmlformats.org/officeDocument/2006/relationships" xmlns:p="http://schemas.openxmlformats.org/presentationml/2006/main" showMasterSp="0" showMasterPhAnim="0">
+  <p:cSld>
+    <p:spTree>
+      <p:nvGrpSpPr>
+        <p:cNvPr id="1" name="Shape 427"/>
+        <p:cNvGrpSpPr/>
+        <p:nvPr/>
+      </p:nvGrpSpPr>
+      <p:grpSpPr>
+        <a:xfrm>
+          <a:off x="0" y="0"/>
+          <a:ext cx="0" cy="0"/>
+          <a:chOff x="0" y="0"/>
+          <a:chExt cx="0" cy="0"/>
+        </a:xfrm>
+      </p:grpSpPr>
+      <p:sp>
+        <p:nvSpPr>
+          <p:cNvPr id="428" name="Google Shape;428;ga46eb17aa6_0_121:notes"/>
+          <p:cNvSpPr>
+            <a:spLocks noGrp="1" noRot="1" noChangeAspect="1"/>
+          </p:cNvSpPr>
+          <p:nvPr>
+            <p:ph type="sldImg" idx="2"/>
+          </p:nvPr>
+        </p:nvSpPr>
+        <p:spPr>
+          <a:xfrm>
+            <a:off x="381000" y="685800"/>
+            <a:ext cx="6096000" cy="3429000"/>
+          </a:xfrm>
+          <a:custGeom>
+            <a:avLst/>
+            <a:gdLst/>
+            <a:ahLst/>
+            <a:cxnLst/>
+            <a:rect l="l" t="t" r="r" b="b"/>
+            <a:pathLst>
+              <a:path w="120000" h="120000" extrusionOk="0">
+                <a:moveTo>
+                  <a:pt x="0" y="0"/>
+                </a:moveTo>
+                <a:lnTo>
+                  <a:pt x="120000" y="0"/>
+                </a:lnTo>
+                <a:lnTo>
+                  <a:pt x="120000" y="120000"/>
+                </a:lnTo>
+                <a:lnTo>
+                  <a:pt x="0" y="120000"/>
+                </a:lnTo>
+                <a:close/>
+              </a:path>
+            </a:pathLst>
+          </a:custGeom>
+        </p:spPr>
+      </p:sp>
+      <p:sp>
+        <p:nvSpPr>
+          <p:cNvPr id="429" name="Google Shape;429;ga46eb17aa6_0_121:notes"/>
+          <p:cNvSpPr txBox="1">
+            <a:spLocks noGrp="1"/>
+          </p:cNvSpPr>
+          <p:nvPr>
+            <p:ph type="body" idx="1"/>
+          </p:nvPr>
+        </p:nvSpPr>
+        <p:spPr>
+          <a:xfrm>
+            <a:off x="685800" y="4343400"/>
+            <a:ext cx="5486400" cy="4114800"/>
+          </a:xfrm>
+          <a:prstGeom prst="rect">
+            <a:avLst/>
+          </a:prstGeom>
+        </p:spPr>
+        <p:txBody>
+          <a:bodyPr spcFirstLastPara="1" wrap="square" lIns="91425" tIns="91425" rIns="91425" bIns="91425" anchor="t" anchorCtr="0">
+            <a:noAutofit/>
+          </a:bodyPr>
+          <a:lstStyle/>
+          <a:p>
+            <a:pPr marL="0" lvl="0" indent="0" algn="l" rtl="0">
+              <a:spcBef>
+                <a:spcPts val="0"/>
+              </a:spcBef>
+              <a:spcAft>
+                <a:spcPts val="0"/>
+              </a:spcAft>
+              <a:buNone/>
+            </a:pPr>
+            <a:endParaRPr/>
+          </a:p>
+        </p:txBody>
+      </p:sp>
+    </p:spTree>
+    <p:extLst>
+      <p:ext uri="{BB962C8B-B14F-4D97-AF65-F5344CB8AC3E}">
         <p14:creationId xmlns:p14="http://schemas.microsoft.com/office/powerpoint/2010/main" val="2153143925"/>
       </p:ext>
     </p:extLst>
@@ -1078,7 +1188,7 @@
 </p:notes>
 </file>
 
-<file path=ppt/notesSlides/notesSlide12.xml><?xml version="1.0" encoding="utf-8"?>
+<file path=ppt/notesSlides/notesSlide13.xml><?xml version="1.0" encoding="utf-8"?>
 <p:notes xmlns:a="http://schemas.openxmlformats.org/drawingml/2006/main" xmlns:r="http://schemas.openxmlformats.org/officeDocument/2006/relationships" xmlns:p="http://schemas.openxmlformats.org/presentationml/2006/main" showMasterSp="0" showMasterPhAnim="0">
   <p:cSld>
     <p:spTree>
@@ -1187,7 +1297,7 @@
 </p:notes>
 </file>
 
-<file path=ppt/notesSlides/notesSlide13.xml><?xml version="1.0" encoding="utf-8"?>
+<file path=ppt/notesSlides/notesSlide14.xml><?xml version="1.0" encoding="utf-8"?>
 <p:notes xmlns:a="http://schemas.openxmlformats.org/drawingml/2006/main" xmlns:r="http://schemas.openxmlformats.org/officeDocument/2006/relationships" xmlns:p="http://schemas.openxmlformats.org/presentationml/2006/main" showMasterSp="0" showMasterPhAnim="0">
   <p:cSld>
     <p:spTree>
@@ -1296,7 +1406,7 @@
 </p:notes>
 </file>
 
-<file path=ppt/notesSlides/notesSlide14.xml><?xml version="1.0" encoding="utf-8"?>
+<file path=ppt/notesSlides/notesSlide15.xml><?xml version="1.0" encoding="utf-8"?>
 <p:notes xmlns:a="http://schemas.openxmlformats.org/drawingml/2006/main" xmlns:r="http://schemas.openxmlformats.org/officeDocument/2006/relationships" xmlns:p="http://schemas.openxmlformats.org/presentationml/2006/main" showMasterSp="0" showMasterPhAnim="0">
   <p:cSld>
     <p:spTree>
@@ -1405,7 +1515,7 @@
 </p:notes>
 </file>
 
-<file path=ppt/notesSlides/notesSlide15.xml><?xml version="1.0" encoding="utf-8"?>
+<file path=ppt/notesSlides/notesSlide16.xml><?xml version="1.0" encoding="utf-8"?>
 <p:notes xmlns:a="http://schemas.openxmlformats.org/drawingml/2006/main" xmlns:r="http://schemas.openxmlformats.org/officeDocument/2006/relationships" xmlns:p="http://schemas.openxmlformats.org/presentationml/2006/main" showMasterSp="0" showMasterPhAnim="0">
   <p:cSld>
     <p:spTree>
@@ -1955,6 +2065,115 @@
   <p:cSld>
     <p:spTree>
       <p:nvGrpSpPr>
+        <p:cNvPr id="1" name="Shape 251"/>
+        <p:cNvGrpSpPr/>
+        <p:nvPr/>
+      </p:nvGrpSpPr>
+      <p:grpSpPr>
+        <a:xfrm>
+          <a:off x="0" y="0"/>
+          <a:ext cx="0" cy="0"/>
+          <a:chOff x="0" y="0"/>
+          <a:chExt cx="0" cy="0"/>
+        </a:xfrm>
+      </p:grpSpPr>
+      <p:sp>
+        <p:nvSpPr>
+          <p:cNvPr id="252" name="Google Shape;252;p:notes"/>
+          <p:cNvSpPr>
+            <a:spLocks noGrp="1" noRot="1" noChangeAspect="1"/>
+          </p:cNvSpPr>
+          <p:nvPr>
+            <p:ph type="sldImg" idx="2"/>
+          </p:nvPr>
+        </p:nvSpPr>
+        <p:spPr>
+          <a:xfrm>
+            <a:off x="381000" y="685800"/>
+            <a:ext cx="6096000" cy="3429000"/>
+          </a:xfrm>
+          <a:custGeom>
+            <a:avLst/>
+            <a:gdLst/>
+            <a:ahLst/>
+            <a:cxnLst/>
+            <a:rect l="l" t="t" r="r" b="b"/>
+            <a:pathLst>
+              <a:path w="120000" h="120000" extrusionOk="0">
+                <a:moveTo>
+                  <a:pt x="0" y="0"/>
+                </a:moveTo>
+                <a:lnTo>
+                  <a:pt x="120000" y="0"/>
+                </a:lnTo>
+                <a:lnTo>
+                  <a:pt x="120000" y="120000"/>
+                </a:lnTo>
+                <a:lnTo>
+                  <a:pt x="0" y="120000"/>
+                </a:lnTo>
+                <a:close/>
+              </a:path>
+            </a:pathLst>
+          </a:custGeom>
+        </p:spPr>
+      </p:sp>
+      <p:sp>
+        <p:nvSpPr>
+          <p:cNvPr id="253" name="Google Shape;253;p:notes"/>
+          <p:cNvSpPr txBox="1">
+            <a:spLocks noGrp="1"/>
+          </p:cNvSpPr>
+          <p:nvPr>
+            <p:ph type="body" idx="1"/>
+          </p:nvPr>
+        </p:nvSpPr>
+        <p:spPr>
+          <a:xfrm>
+            <a:off x="685800" y="4343400"/>
+            <a:ext cx="5486400" cy="4114800"/>
+          </a:xfrm>
+          <a:prstGeom prst="rect">
+            <a:avLst/>
+          </a:prstGeom>
+        </p:spPr>
+        <p:txBody>
+          <a:bodyPr spcFirstLastPara="1" wrap="square" lIns="91425" tIns="91425" rIns="91425" bIns="91425" anchor="t" anchorCtr="0">
+            <a:noAutofit/>
+          </a:bodyPr>
+          <a:lstStyle/>
+          <a:p>
+            <a:pPr marL="0" lvl="0" indent="0" algn="l" rtl="0">
+              <a:spcBef>
+                <a:spcPts val="0"/>
+              </a:spcBef>
+              <a:spcAft>
+                <a:spcPts val="0"/>
+              </a:spcAft>
+              <a:buNone/>
+            </a:pPr>
+            <a:endParaRPr/>
+          </a:p>
+        </p:txBody>
+      </p:sp>
+    </p:spTree>
+    <p:extLst>
+      <p:ext uri="{BB962C8B-B14F-4D97-AF65-F5344CB8AC3E}">
+        <p14:creationId xmlns:p14="http://schemas.microsoft.com/office/powerpoint/2010/main" val="2674486198"/>
+      </p:ext>
+    </p:extLst>
+  </p:cSld>
+  <p:clrMapOvr>
+    <a:masterClrMapping/>
+  </p:clrMapOvr>
+</p:notes>
+</file>
+
+<file path=ppt/notesSlides/notesSlide7.xml><?xml version="1.0" encoding="utf-8"?>
+<p:notes xmlns:a="http://schemas.openxmlformats.org/drawingml/2006/main" xmlns:r="http://schemas.openxmlformats.org/officeDocument/2006/relationships" xmlns:p="http://schemas.openxmlformats.org/presentationml/2006/main" showMasterSp="0" showMasterPhAnim="0">
+  <p:cSld>
+    <p:spTree>
+      <p:nvGrpSpPr>
         <p:cNvPr id="1" name="Shape 362"/>
         <p:cNvGrpSpPr/>
         <p:nvPr/>
@@ -2050,115 +2269,6 @@
     <p:extLst>
       <p:ext uri="{BB962C8B-B14F-4D97-AF65-F5344CB8AC3E}">
         <p14:creationId xmlns:p14="http://schemas.microsoft.com/office/powerpoint/2010/main" val="2013405745"/>
-      </p:ext>
-    </p:extLst>
-  </p:cSld>
-  <p:clrMapOvr>
-    <a:masterClrMapping/>
-  </p:clrMapOvr>
-</p:notes>
-</file>
-
-<file path=ppt/notesSlides/notesSlide7.xml><?xml version="1.0" encoding="utf-8"?>
-<p:notes xmlns:a="http://schemas.openxmlformats.org/drawingml/2006/main" xmlns:r="http://schemas.openxmlformats.org/officeDocument/2006/relationships" xmlns:p="http://schemas.openxmlformats.org/presentationml/2006/main" showMasterSp="0" showMasterPhAnim="0">
-  <p:cSld>
-    <p:spTree>
-      <p:nvGrpSpPr>
-        <p:cNvPr id="1" name="Shape 427"/>
-        <p:cNvGrpSpPr/>
-        <p:nvPr/>
-      </p:nvGrpSpPr>
-      <p:grpSpPr>
-        <a:xfrm>
-          <a:off x="0" y="0"/>
-          <a:ext cx="0" cy="0"/>
-          <a:chOff x="0" y="0"/>
-          <a:chExt cx="0" cy="0"/>
-        </a:xfrm>
-      </p:grpSpPr>
-      <p:sp>
-        <p:nvSpPr>
-          <p:cNvPr id="428" name="Google Shape;428;ga46eb17aa6_0_121:notes"/>
-          <p:cNvSpPr>
-            <a:spLocks noGrp="1" noRot="1" noChangeAspect="1"/>
-          </p:cNvSpPr>
-          <p:nvPr>
-            <p:ph type="sldImg" idx="2"/>
-          </p:nvPr>
-        </p:nvSpPr>
-        <p:spPr>
-          <a:xfrm>
-            <a:off x="381000" y="685800"/>
-            <a:ext cx="6096000" cy="3429000"/>
-          </a:xfrm>
-          <a:custGeom>
-            <a:avLst/>
-            <a:gdLst/>
-            <a:ahLst/>
-            <a:cxnLst/>
-            <a:rect l="l" t="t" r="r" b="b"/>
-            <a:pathLst>
-              <a:path w="120000" h="120000" extrusionOk="0">
-                <a:moveTo>
-                  <a:pt x="0" y="0"/>
-                </a:moveTo>
-                <a:lnTo>
-                  <a:pt x="120000" y="0"/>
-                </a:lnTo>
-                <a:lnTo>
-                  <a:pt x="120000" y="120000"/>
-                </a:lnTo>
-                <a:lnTo>
-                  <a:pt x="0" y="120000"/>
-                </a:lnTo>
-                <a:close/>
-              </a:path>
-            </a:pathLst>
-          </a:custGeom>
-        </p:spPr>
-      </p:sp>
-      <p:sp>
-        <p:nvSpPr>
-          <p:cNvPr id="429" name="Google Shape;429;ga46eb17aa6_0_121:notes"/>
-          <p:cNvSpPr txBox="1">
-            <a:spLocks noGrp="1"/>
-          </p:cNvSpPr>
-          <p:nvPr>
-            <p:ph type="body" idx="1"/>
-          </p:nvPr>
-        </p:nvSpPr>
-        <p:spPr>
-          <a:xfrm>
-            <a:off x="685800" y="4343400"/>
-            <a:ext cx="5486400" cy="4114800"/>
-          </a:xfrm>
-          <a:prstGeom prst="rect">
-            <a:avLst/>
-          </a:prstGeom>
-        </p:spPr>
-        <p:txBody>
-          <a:bodyPr spcFirstLastPara="1" wrap="square" lIns="91425" tIns="91425" rIns="91425" bIns="91425" anchor="t" anchorCtr="0">
-            <a:noAutofit/>
-          </a:bodyPr>
-          <a:lstStyle/>
-          <a:p>
-            <a:pPr marL="0" lvl="0" indent="0" algn="l" rtl="0">
-              <a:spcBef>
-                <a:spcPts val="0"/>
-              </a:spcBef>
-              <a:spcAft>
-                <a:spcPts val="0"/>
-              </a:spcAft>
-              <a:buNone/>
-            </a:pPr>
-            <a:endParaRPr/>
-          </a:p>
-        </p:txBody>
-      </p:sp>
-    </p:spTree>
-    <p:extLst>
-      <p:ext uri="{BB962C8B-B14F-4D97-AF65-F5344CB8AC3E}">
-        <p14:creationId xmlns:p14="http://schemas.microsoft.com/office/powerpoint/2010/main" val="382914445"/>
       </p:ext>
     </p:extLst>
   </p:cSld>
@@ -2267,7 +2377,7 @@
     </p:spTree>
     <p:extLst>
       <p:ext uri="{BB962C8B-B14F-4D97-AF65-F5344CB8AC3E}">
-        <p14:creationId xmlns:p14="http://schemas.microsoft.com/office/powerpoint/2010/main" val="2463973076"/>
+        <p14:creationId xmlns:p14="http://schemas.microsoft.com/office/powerpoint/2010/main" val="382914445"/>
       </p:ext>
     </p:extLst>
   </p:cSld>
@@ -2282,7 +2392,7 @@
   <p:cSld>
     <p:spTree>
       <p:nvGrpSpPr>
-        <p:cNvPr id="1" name="Shape 362"/>
+        <p:cNvPr id="1" name="Shape 427"/>
         <p:cNvGrpSpPr/>
         <p:nvPr/>
       </p:nvGrpSpPr>
@@ -2296,7 +2406,7 @@
       </p:grpSpPr>
       <p:sp>
         <p:nvSpPr>
-          <p:cNvPr id="363" name="Google Shape;363;gab14034664_0_632:notes"/>
+          <p:cNvPr id="428" name="Google Shape;428;ga46eb17aa6_0_121:notes"/>
           <p:cNvSpPr>
             <a:spLocks noGrp="1" noRot="1" noChangeAspect="1"/>
           </p:cNvSpPr>
@@ -2337,7 +2447,7 @@
       </p:sp>
       <p:sp>
         <p:nvSpPr>
-          <p:cNvPr id="364" name="Google Shape;364;gab14034664_0_632:notes"/>
+          <p:cNvPr id="429" name="Google Shape;429;ga46eb17aa6_0_121:notes"/>
           <p:cNvSpPr txBox="1">
             <a:spLocks noGrp="1"/>
           </p:cNvSpPr>
@@ -2376,7 +2486,7 @@
     </p:spTree>
     <p:extLst>
       <p:ext uri="{BB962C8B-B14F-4D97-AF65-F5344CB8AC3E}">
-        <p14:creationId xmlns:p14="http://schemas.microsoft.com/office/powerpoint/2010/main" val="835686317"/>
+        <p14:creationId xmlns:p14="http://schemas.microsoft.com/office/powerpoint/2010/main" val="2463973076"/>
       </p:ext>
     </p:extLst>
   </p:cSld>
@@ -12929,6 +13039,217 @@
 <file path=ppt/slides/slide10.xml><?xml version="1.0" encoding="utf-8"?>
 <p:sld xmlns:a="http://schemas.openxmlformats.org/drawingml/2006/main" xmlns:r="http://schemas.openxmlformats.org/officeDocument/2006/relationships" xmlns:p="http://schemas.openxmlformats.org/presentationml/2006/main">
   <p:cSld>
+    <p:spTree>
+      <p:nvGrpSpPr>
+        <p:cNvPr id="1" name="Shape 365"/>
+        <p:cNvGrpSpPr/>
+        <p:nvPr/>
+      </p:nvGrpSpPr>
+      <p:grpSpPr>
+        <a:xfrm>
+          <a:off x="0" y="0"/>
+          <a:ext cx="0" cy="0"/>
+          <a:chOff x="0" y="0"/>
+          <a:chExt cx="0" cy="0"/>
+        </a:xfrm>
+      </p:grpSpPr>
+      <p:sp>
+        <p:nvSpPr>
+          <p:cNvPr id="367" name="Google Shape;367;p39"/>
+          <p:cNvSpPr txBox="1">
+            <a:spLocks noGrp="1"/>
+          </p:cNvSpPr>
+          <p:nvPr>
+            <p:ph type="title"/>
+          </p:nvPr>
+        </p:nvSpPr>
+        <p:spPr>
+          <a:xfrm>
+            <a:off x="0" y="2777991"/>
+            <a:ext cx="9144000" cy="2365509"/>
+          </a:xfrm>
+          <a:prstGeom prst="rect">
+            <a:avLst/>
+          </a:prstGeom>
+        </p:spPr>
+        <p:txBody>
+          <a:bodyPr spcFirstLastPara="1" wrap="square" lIns="91425" tIns="91425" rIns="91425" bIns="91425" anchor="ctr" anchorCtr="0">
+            <a:noAutofit/>
+          </a:bodyPr>
+          <a:lstStyle/>
+          <a:p>
+            <a:pPr marL="0" lvl="0" indent="0" rtl="0">
+              <a:spcBef>
+                <a:spcPts val="0"/>
+              </a:spcBef>
+              <a:spcAft>
+                <a:spcPts val="0"/>
+              </a:spcAft>
+              <a:buNone/>
+            </a:pPr>
+            <a:r>
+              <a:rPr lang="en" b="1" dirty="0" smtClean="0">
+                <a:latin typeface="Google Sans" panose="020B0503030502040204" pitchFamily="34" charset="0"/>
+                <a:ea typeface="Open Sans" panose="020B0604020202020204" charset="0"/>
+                <a:cs typeface="Open Sans" panose="020B0604020202020204" charset="0"/>
+              </a:rPr>
+              <a:t>MÔ PHỎNG VÀ PHÂN TÍCH</a:t>
+            </a:r>
+            <a:endParaRPr b="1" dirty="0">
+              <a:latin typeface="Google Sans" panose="020B0503030502040204" pitchFamily="34" charset="0"/>
+              <a:ea typeface="Open Sans" panose="020B0604020202020204" charset="0"/>
+              <a:cs typeface="Open Sans" panose="020B0604020202020204" charset="0"/>
+            </a:endParaRPr>
+          </a:p>
+        </p:txBody>
+      </p:sp>
+      <p:sp>
+        <p:nvSpPr>
+          <p:cNvPr id="366" name="Google Shape;366;p39"/>
+          <p:cNvSpPr txBox="1">
+            <a:spLocks noGrp="1"/>
+          </p:cNvSpPr>
+          <p:nvPr>
+            <p:ph type="title" idx="2"/>
+          </p:nvPr>
+        </p:nvSpPr>
+        <p:spPr>
+          <a:prstGeom prst="rect">
+            <a:avLst/>
+          </a:prstGeom>
+        </p:spPr>
+        <p:txBody>
+          <a:bodyPr spcFirstLastPara="1" wrap="square" lIns="91425" tIns="91425" rIns="91425" bIns="91425" anchor="b" anchorCtr="0">
+            <a:noAutofit/>
+          </a:bodyPr>
+          <a:lstStyle/>
+          <a:p>
+            <a:pPr marL="0" lvl="0" indent="0" algn="ctr" rtl="0">
+              <a:spcBef>
+                <a:spcPts val="0"/>
+              </a:spcBef>
+              <a:spcAft>
+                <a:spcPts val="0"/>
+              </a:spcAft>
+              <a:buNone/>
+            </a:pPr>
+            <a:r>
+              <a:rPr lang="en" b="1" dirty="0" smtClean="0">
+                <a:latin typeface="Google Sans" panose="020B0503030502040204" pitchFamily="34" charset="0"/>
+              </a:rPr>
+              <a:t>03</a:t>
+            </a:r>
+            <a:endParaRPr b="1" dirty="0">
+              <a:latin typeface="Google Sans" panose="020B0503030502040204" pitchFamily="34" charset="0"/>
+            </a:endParaRPr>
+          </a:p>
+        </p:txBody>
+      </p:sp>
+      <p:sp>
+        <p:nvSpPr>
+          <p:cNvPr id="4" name="TextBox 3"/>
+          <p:cNvSpPr txBox="1"/>
+          <p:nvPr/>
+        </p:nvSpPr>
+        <p:spPr>
+          <a:xfrm>
+            <a:off x="8694057" y="4822031"/>
+            <a:ext cx="449943" cy="307777"/>
+          </a:xfrm>
+          <a:prstGeom prst="rect">
+            <a:avLst/>
+          </a:prstGeom>
+          <a:noFill/>
+        </p:spPr>
+        <p:txBody>
+          <a:bodyPr wrap="square" rtlCol="0">
+            <a:spAutoFit/>
+          </a:bodyPr>
+          <a:lstStyle/>
+          <a:p>
+            <a:pPr algn="ctr"/>
+            <a:r>
+              <a:rPr lang="en-US" b="1" dirty="0" smtClean="0">
+                <a:solidFill>
+                  <a:schemeClr val="bg2">
+                    <a:lumMod val="50000"/>
+                  </a:schemeClr>
+                </a:solidFill>
+                <a:latin typeface="Open Sans" panose="020B0604020202020204" charset="0"/>
+                <a:ea typeface="Open Sans" panose="020B0604020202020204" charset="0"/>
+                <a:cs typeface="Open Sans" panose="020B0604020202020204" charset="0"/>
+              </a:rPr>
+              <a:t>10</a:t>
+            </a:r>
+            <a:endParaRPr lang="en-US" b="1" dirty="0">
+              <a:solidFill>
+                <a:schemeClr val="bg2">
+                  <a:lumMod val="50000"/>
+                </a:schemeClr>
+              </a:solidFill>
+              <a:latin typeface="Open Sans" panose="020B0604020202020204" charset="0"/>
+              <a:ea typeface="Open Sans" panose="020B0604020202020204" charset="0"/>
+              <a:cs typeface="Open Sans" panose="020B0604020202020204" charset="0"/>
+            </a:endParaRPr>
+          </a:p>
+        </p:txBody>
+      </p:sp>
+      <p:pic>
+        <p:nvPicPr>
+          <p:cNvPr id="5" name="Picture 4"/>
+          <p:cNvPicPr>
+            <a:picLocks noChangeAspect="1"/>
+          </p:cNvPicPr>
+          <p:nvPr/>
+        </p:nvPicPr>
+        <p:blipFill>
+          <a:blip r:embed="rId3">
+            <a:extLst>
+              <a:ext uri="{28A0092B-C50C-407E-A947-70E740481C1C}">
+                <a14:useLocalDpi xmlns:a14="http://schemas.microsoft.com/office/drawing/2010/main" val="0"/>
+              </a:ext>
+            </a:extLst>
+          </a:blip>
+          <a:stretch>
+            <a:fillRect/>
+          </a:stretch>
+        </p:blipFill>
+        <p:spPr>
+          <a:xfrm>
+            <a:off x="-328312" y="18571"/>
+            <a:ext cx="1299436" cy="918752"/>
+          </a:xfrm>
+          <a:prstGeom prst="rect">
+            <a:avLst/>
+          </a:prstGeom>
+        </p:spPr>
+      </p:pic>
+    </p:spTree>
+    <p:extLst>
+      <p:ext uri="{BB962C8B-B14F-4D97-AF65-F5344CB8AC3E}">
+        <p14:creationId xmlns:p14="http://schemas.microsoft.com/office/powerpoint/2010/main" val="442104739"/>
+      </p:ext>
+    </p:extLst>
+  </p:cSld>
+  <p:clrMapOvr>
+    <a:masterClrMapping/>
+  </p:clrMapOvr>
+  <p:transition spd="slow">
+    <p:push dir="u"/>
+  </p:transition>
+  <p:timing>
+    <p:tnLst>
+      <p:par>
+        <p:cTn id="1" dur="indefinite" restart="never" nodeType="tmRoot"/>
+      </p:par>
+    </p:tnLst>
+  </p:timing>
+</p:sld>
+</file>
+
+<file path=ppt/slides/slide11.xml><?xml version="1.0" encoding="utf-8"?>
+<p:sld xmlns:a="http://schemas.openxmlformats.org/drawingml/2006/main" xmlns:r="http://schemas.openxmlformats.org/officeDocument/2006/relationships" xmlns:p="http://schemas.openxmlformats.org/presentationml/2006/main">
+  <p:cSld>
     <p:bg>
       <p:bgPr>
         <a:solidFill>
@@ -14548,16 +14869,34 @@
               <a:t>lại</a:t>
             </a:r>
             <a:r>
+              <a:rPr lang="en-US" smtClean="0">
+                <a:latin typeface="Google Sans" panose="020B0503030502040204" pitchFamily="34" charset="0"/>
+              </a:rPr>
+              <a:t> </a:t>
+            </a:r>
+            <a:r>
+              <a:rPr lang="en-US" smtClean="0">
+                <a:latin typeface="Google Sans" panose="020B0503030502040204" pitchFamily="34" charset="0"/>
+              </a:rPr>
+              <a:t>4s </a:t>
+            </a:r>
+            <a:r>
+              <a:rPr lang="en-US" dirty="0" err="1" smtClean="0">
+                <a:latin typeface="Google Sans" panose="020B0503030502040204" pitchFamily="34" charset="0"/>
+              </a:rPr>
+              <a:t>thì</a:t>
+            </a:r>
+            <a:r>
               <a:rPr lang="en-US" dirty="0" smtClean="0">
                 <a:latin typeface="Google Sans" panose="020B0503030502040204" pitchFamily="34" charset="0"/>
               </a:rPr>
-              <a:t> 3s </a:t>
+              <a:t> </a:t>
             </a:r>
             <a:r>
               <a:rPr lang="en-US" dirty="0" err="1" smtClean="0">
                 <a:latin typeface="Google Sans" panose="020B0503030502040204" pitchFamily="34" charset="0"/>
               </a:rPr>
-              <a:t>thì</a:t>
+              <a:t>chuông</a:t>
             </a:r>
             <a:r>
               <a:rPr lang="en-US" dirty="0" smtClean="0">
@@ -14569,7 +14908,7 @@
               <a:rPr lang="en-US" dirty="0" err="1" smtClean="0">
                 <a:latin typeface="Google Sans" panose="020B0503030502040204" pitchFamily="34" charset="0"/>
               </a:rPr>
-              <a:t>chuông</a:t>
+              <a:t>sẽ</a:t>
             </a:r>
             <a:r>
               <a:rPr lang="en-US" dirty="0" smtClean="0">
@@ -14581,7 +14920,7 @@
               <a:rPr lang="en-US" dirty="0" err="1" smtClean="0">
                 <a:latin typeface="Google Sans" panose="020B0503030502040204" pitchFamily="34" charset="0"/>
               </a:rPr>
-              <a:t>sẽ</a:t>
+              <a:t>kêu</a:t>
             </a:r>
             <a:r>
               <a:rPr lang="en-US" dirty="0" smtClean="0">
@@ -14593,7 +14932,7 @@
               <a:rPr lang="en-US" dirty="0" err="1" smtClean="0">
                 <a:latin typeface="Google Sans" panose="020B0503030502040204" pitchFamily="34" charset="0"/>
               </a:rPr>
-              <a:t>kêu</a:t>
+              <a:t>ngày</a:t>
             </a:r>
             <a:r>
               <a:rPr lang="en-US" dirty="0" smtClean="0">
@@ -14605,31 +14944,43 @@
               <a:rPr lang="en-US" dirty="0" err="1" smtClean="0">
                 <a:latin typeface="Google Sans" panose="020B0503030502040204" pitchFamily="34" charset="0"/>
               </a:rPr>
-              <a:t>ngày</a:t>
+              <a:t>càng</a:t>
             </a:r>
             <a:r>
               <a:rPr lang="en-US" dirty="0" smtClean="0">
                 <a:latin typeface="Google Sans" panose="020B0503030502040204" pitchFamily="34" charset="0"/>
               </a:rPr>
+              <a:t> to </a:t>
+            </a:r>
+            <a:r>
+              <a:rPr lang="en-US" dirty="0" err="1" smtClean="0">
+                <a:latin typeface="Google Sans" panose="020B0503030502040204" pitchFamily="34" charset="0"/>
+              </a:rPr>
+              <a:t>và</a:t>
+            </a:r>
+            <a:r>
+              <a:rPr lang="en-US" dirty="0" smtClean="0">
+                <a:latin typeface="Google Sans" panose="020B0503030502040204" pitchFamily="34" charset="0"/>
+              </a:rPr>
               <a:t> </a:t>
             </a:r>
             <a:r>
               <a:rPr lang="en-US" dirty="0" err="1" smtClean="0">
                 <a:latin typeface="Google Sans" panose="020B0503030502040204" pitchFamily="34" charset="0"/>
               </a:rPr>
-              <a:t>càng</a:t>
+              <a:t>tắt</a:t>
             </a:r>
             <a:r>
               <a:rPr lang="en-US" dirty="0" smtClean="0">
                 <a:latin typeface="Google Sans" panose="020B0503030502040204" pitchFamily="34" charset="0"/>
               </a:rPr>
-              <a:t> to </a:t>
+              <a:t> </a:t>
             </a:r>
             <a:r>
               <a:rPr lang="en-US" dirty="0" err="1" smtClean="0">
                 <a:latin typeface="Google Sans" panose="020B0503030502040204" pitchFamily="34" charset="0"/>
               </a:rPr>
-              <a:t>và</a:t>
+              <a:t>khi</a:t>
             </a:r>
             <a:r>
               <a:rPr lang="en-US" dirty="0" smtClean="0">
@@ -14641,7 +14992,7 @@
               <a:rPr lang="en-US" dirty="0" err="1" smtClean="0">
                 <a:latin typeface="Google Sans" panose="020B0503030502040204" pitchFamily="34" charset="0"/>
               </a:rPr>
-              <a:t>tắt</a:t>
+              <a:t>đèn</a:t>
             </a:r>
             <a:r>
               <a:rPr lang="en-US" dirty="0" smtClean="0">
@@ -14653,7 +15004,7 @@
               <a:rPr lang="en-US" dirty="0" err="1" smtClean="0">
                 <a:latin typeface="Google Sans" panose="020B0503030502040204" pitchFamily="34" charset="0"/>
               </a:rPr>
-              <a:t>khi</a:t>
+              <a:t>giao</a:t>
             </a:r>
             <a:r>
               <a:rPr lang="en-US" dirty="0" smtClean="0">
@@ -14665,53 +15016,26 @@
               <a:rPr lang="en-US" dirty="0" err="1" smtClean="0">
                 <a:latin typeface="Google Sans" panose="020B0503030502040204" pitchFamily="34" charset="0"/>
               </a:rPr>
-              <a:t>đèn</a:t>
+              <a:t>thông</a:t>
             </a:r>
             <a:r>
               <a:rPr lang="en-US" dirty="0" smtClean="0">
                 <a:latin typeface="Google Sans" panose="020B0503030502040204" pitchFamily="34" charset="0"/>
               </a:rPr>
-              <a:t> </a:t>
+              <a:t> sang </a:t>
             </a:r>
             <a:r>
               <a:rPr lang="en-US" dirty="0" err="1" smtClean="0">
                 <a:latin typeface="Google Sans" panose="020B0503030502040204" pitchFamily="34" charset="0"/>
               </a:rPr>
-              <a:t>giao</a:t>
+              <a:t>xanh</a:t>
             </a:r>
             <a:r>
               <a:rPr lang="en-US" dirty="0" smtClean="0">
                 <a:latin typeface="Google Sans" panose="020B0503030502040204" pitchFamily="34" charset="0"/>
               </a:rPr>
-              <a:t> </a:t>
-            </a:r>
-            <a:r>
-              <a:rPr lang="en-US" dirty="0" err="1" smtClean="0">
-                <a:latin typeface="Google Sans" panose="020B0503030502040204" pitchFamily="34" charset="0"/>
-              </a:rPr>
-              <a:t>thông</a:t>
-            </a:r>
-            <a:r>
-              <a:rPr lang="en-US" dirty="0" smtClean="0">
-                <a:latin typeface="Google Sans" panose="020B0503030502040204" pitchFamily="34" charset="0"/>
-              </a:rPr>
-              <a:t> sang </a:t>
-            </a:r>
-            <a:r>
-              <a:rPr lang="en-US" dirty="0" err="1" smtClean="0">
-                <a:latin typeface="Google Sans" panose="020B0503030502040204" pitchFamily="34" charset="0"/>
-              </a:rPr>
-              <a:t>xanh</a:t>
-            </a:r>
-            <a:r>
-              <a:rPr lang="en-US" dirty="0" smtClean="0">
-                <a:latin typeface="Google Sans" panose="020B0503030502040204" pitchFamily="34" charset="0"/>
-              </a:rPr>
               <a:t>.</a:t>
             </a:r>
-            <a:endParaRPr lang="en-US" dirty="0" smtClean="0">
-              <a:latin typeface="Google Sans" panose="020B0503030502040204" pitchFamily="34" charset="0"/>
-            </a:endParaRPr>
           </a:p>
           <a:p>
             <a:pPr algn="just"/>
@@ -14785,7 +15109,7 @@
                 <a:ea typeface="Open Sans" panose="020B0604020202020204" charset="0"/>
                 <a:cs typeface="Open Sans" panose="020B0604020202020204" charset="0"/>
               </a:rPr>
-              <a:t>10</a:t>
+              <a:t>11</a:t>
             </a:r>
             <a:endParaRPr lang="en-US" b="1" dirty="0">
               <a:solidFill>
@@ -14823,7 +15147,7 @@
 </p:sld>
 </file>
 
-<file path=ppt/slides/slide11.xml><?xml version="1.0" encoding="utf-8"?>
+<file path=ppt/slides/slide12.xml><?xml version="1.0" encoding="utf-8"?>
 <p:sld xmlns:a="http://schemas.openxmlformats.org/drawingml/2006/main" xmlns:r="http://schemas.openxmlformats.org/officeDocument/2006/relationships" xmlns:p="http://schemas.openxmlformats.org/presentationml/2006/main">
   <p:cSld>
     <p:bg>
@@ -15067,13 +15391,7 @@
               <a:rPr lang="en-US" dirty="0" smtClean="0">
                 <a:latin typeface="Google Sans" panose="020B0503030502040204" pitchFamily="34" charset="0"/>
               </a:rPr>
-              <a:t> (1-99)</a:t>
-            </a:r>
-            <a:r>
-              <a:rPr lang="en-US" dirty="0" smtClean="0">
-                <a:latin typeface="Google Sans" panose="020B0503030502040204" pitchFamily="34" charset="0"/>
-              </a:rPr>
-              <a:t> </a:t>
+              <a:t> (1-99) </a:t>
             </a:r>
           </a:p>
           <a:p>
@@ -15384,9 +15702,6 @@
               </a:rPr>
               <a:t>. </a:t>
             </a:r>
-            <a:endParaRPr lang="en-US" dirty="0" smtClean="0">
-              <a:latin typeface="Google Sans" panose="020B0503030502040204" pitchFamily="34" charset="0"/>
-            </a:endParaRPr>
           </a:p>
           <a:p>
             <a:pPr marL="801688" lvl="2" indent="-285750" algn="just">
@@ -16175,9 +16490,6 @@
               </a:rPr>
               <a:t>MODE 2 </a:t>
             </a:r>
-            <a:endParaRPr lang="en-US" b="1" dirty="0" smtClean="0">
-              <a:latin typeface="Google Sans" panose="020B0503030502040204" pitchFamily="34" charset="0"/>
-            </a:endParaRPr>
           </a:p>
           <a:p>
             <a:pPr algn="just"/>
@@ -16225,8 +16537,8 @@
         </p:nvSpPr>
         <p:spPr>
           <a:xfrm>
-            <a:off x="8801100" y="4822031"/>
-            <a:ext cx="342900" cy="315664"/>
+            <a:off x="8744857" y="4822031"/>
+            <a:ext cx="399143" cy="307777"/>
           </a:xfrm>
           <a:prstGeom prst="rect">
             <a:avLst/>
@@ -16251,7 +16563,7 @@
                 <a:ea typeface="Open Sans" panose="020B0604020202020204" charset="0"/>
                 <a:cs typeface="Open Sans" panose="020B0604020202020204" charset="0"/>
               </a:rPr>
-              <a:t>11</a:t>
+              <a:t>12</a:t>
             </a:r>
             <a:endParaRPr lang="en-US" b="1" dirty="0">
               <a:solidFill>
@@ -16289,7 +16601,7 @@
 </p:sld>
 </file>
 
-<file path=ppt/slides/slide12.xml><?xml version="1.0" encoding="utf-8"?>
+<file path=ppt/slides/slide13.xml><?xml version="1.0" encoding="utf-8"?>
 <p:sld xmlns:a="http://schemas.openxmlformats.org/drawingml/2006/main" xmlns:r="http://schemas.openxmlformats.org/officeDocument/2006/relationships" xmlns:p="http://schemas.openxmlformats.org/presentationml/2006/main">
   <p:cSld>
     <p:spTree>
@@ -16432,7 +16744,7 @@
                 <a:ea typeface="Open Sans" panose="020B0604020202020204" charset="0"/>
                 <a:cs typeface="Open Sans" panose="020B0604020202020204" charset="0"/>
               </a:rPr>
-              <a:t>12</a:t>
+              <a:t>13</a:t>
             </a:r>
             <a:endParaRPr lang="en-US" b="1" dirty="0">
               <a:solidFill>
@@ -16500,7 +16812,7 @@
 </p:sld>
 </file>
 
-<file path=ppt/slides/slide13.xml><?xml version="1.0" encoding="utf-8"?>
+<file path=ppt/slides/slide14.xml><?xml version="1.0" encoding="utf-8"?>
 <p:sld xmlns:a="http://schemas.openxmlformats.org/drawingml/2006/main" xmlns:r="http://schemas.openxmlformats.org/officeDocument/2006/relationships" xmlns:p="http://schemas.openxmlformats.org/presentationml/2006/main">
   <p:cSld>
     <p:bg>
@@ -16555,30 +16867,6 @@
           </a:prstGeom>
         </p:spPr>
       </p:pic>
-      <p:pic>
-        <p:nvPicPr>
-          <p:cNvPr id="6" name="Picture 5"/>
-          <p:cNvPicPr>
-            <a:picLocks noChangeAspect="1"/>
-          </p:cNvPicPr>
-          <p:nvPr/>
-        </p:nvPicPr>
-        <p:blipFill>
-          <a:blip r:embed="rId4"/>
-          <a:stretch>
-            <a:fillRect/>
-          </a:stretch>
-        </p:blipFill>
-        <p:spPr>
-          <a:xfrm>
-            <a:off x="452121" y="937323"/>
-            <a:ext cx="7976866" cy="4206177"/>
-          </a:xfrm>
-          <a:prstGeom prst="rect">
-            <a:avLst/>
-          </a:prstGeom>
-        </p:spPr>
-      </p:pic>
       <p:sp>
         <p:nvSpPr>
           <p:cNvPr id="7" name="Title 2"/>
@@ -16640,7 +16928,7 @@
                 <a:ea typeface="Open Sans" panose="020B0604020202020204" charset="0"/>
                 <a:cs typeface="Open Sans" panose="020B0604020202020204" charset="0"/>
               </a:rPr>
-              <a:t>13</a:t>
+              <a:t>14</a:t>
             </a:r>
             <a:endParaRPr lang="en-US" b="1" dirty="0">
               <a:solidFill>
@@ -16655,6 +16943,30 @@
           </a:p>
         </p:txBody>
       </p:sp>
+      <p:pic>
+        <p:nvPicPr>
+          <p:cNvPr id="2" name="Picture 1"/>
+          <p:cNvPicPr>
+            <a:picLocks noChangeAspect="1"/>
+          </p:cNvPicPr>
+          <p:nvPr/>
+        </p:nvPicPr>
+        <p:blipFill>
+          <a:blip r:embed="rId4"/>
+          <a:stretch>
+            <a:fillRect/>
+          </a:stretch>
+        </p:blipFill>
+        <p:spPr>
+          <a:xfrm>
+            <a:off x="0" y="875580"/>
+            <a:ext cx="9144000" cy="3927793"/>
+          </a:xfrm>
+          <a:prstGeom prst="rect">
+            <a:avLst/>
+          </a:prstGeom>
+        </p:spPr>
+      </p:pic>
     </p:spTree>
     <p:extLst>
       <p:ext uri="{BB962C8B-B14F-4D97-AF65-F5344CB8AC3E}">
@@ -16678,7 +16990,7 @@
 </p:sld>
 </file>
 
-<file path=ppt/slides/slide14.xml><?xml version="1.0" encoding="utf-8"?>
+<file path=ppt/slides/slide15.xml><?xml version="1.0" encoding="utf-8"?>
 <p:sld xmlns:a="http://schemas.openxmlformats.org/drawingml/2006/main" xmlns:r="http://schemas.openxmlformats.org/officeDocument/2006/relationships" xmlns:p="http://schemas.openxmlformats.org/presentationml/2006/main">
   <p:cSld>
     <p:spTree>
@@ -16821,7 +17133,7 @@
                 <a:ea typeface="Open Sans" panose="020B0604020202020204" charset="0"/>
                 <a:cs typeface="Open Sans" panose="020B0604020202020204" charset="0"/>
               </a:rPr>
-              <a:t>14</a:t>
+              <a:t>15</a:t>
             </a:r>
             <a:endParaRPr lang="en-US" b="1" dirty="0">
               <a:solidFill>
@@ -16889,7 +17201,7 @@
 </p:sld>
 </file>
 
-<file path=ppt/slides/slide15.xml><?xml version="1.0" encoding="utf-8"?>
+<file path=ppt/slides/slide16.xml><?xml version="1.0" encoding="utf-8"?>
 <p:sld xmlns:a="http://schemas.openxmlformats.org/drawingml/2006/main" xmlns:r="http://schemas.openxmlformats.org/officeDocument/2006/relationships" xmlns:p="http://schemas.openxmlformats.org/presentationml/2006/main">
   <p:cSld>
     <p:spTree>
@@ -26704,16 +27016,6 @@
               </a:rPr>
               <a:t>5</a:t>
             </a:r>
-            <a:endParaRPr lang="en-US" b="1" dirty="0">
-              <a:solidFill>
-                <a:schemeClr val="bg2">
-                  <a:lumMod val="50000"/>
-                </a:schemeClr>
-              </a:solidFill>
-              <a:latin typeface="Open Sans" panose="020B0604020202020204" charset="0"/>
-              <a:ea typeface="Open Sans" panose="020B0604020202020204" charset="0"/>
-              <a:cs typeface="Open Sans" panose="020B0604020202020204" charset="0"/>
-            </a:endParaRPr>
           </a:p>
         </p:txBody>
       </p:sp>
@@ -28347,6 +28649,1802 @@
   <p:cSld>
     <p:spTree>
       <p:nvGrpSpPr>
+        <p:cNvPr id="1" name="Shape 254"/>
+        <p:cNvGrpSpPr/>
+        <p:nvPr/>
+      </p:nvGrpSpPr>
+      <p:grpSpPr>
+        <a:xfrm>
+          <a:off x="0" y="0"/>
+          <a:ext cx="0" cy="0"/>
+          <a:chOff x="0" y="0"/>
+          <a:chExt cx="0" cy="0"/>
+        </a:xfrm>
+      </p:grpSpPr>
+      <p:sp>
+        <p:nvSpPr>
+          <p:cNvPr id="63" name="Google Shape;630;p52"/>
+          <p:cNvSpPr txBox="1">
+            <a:spLocks/>
+          </p:cNvSpPr>
+          <p:nvPr/>
+        </p:nvSpPr>
+        <p:spPr>
+          <a:xfrm>
+            <a:off x="713225" y="445025"/>
+            <a:ext cx="7717800" cy="572700"/>
+          </a:xfrm>
+          <a:prstGeom prst="rect">
+            <a:avLst/>
+          </a:prstGeom>
+          <a:noFill/>
+          <a:ln>
+            <a:noFill/>
+          </a:ln>
+        </p:spPr>
+        <p:txBody>
+          <a:bodyPr spcFirstLastPara="1" wrap="square" lIns="91425" tIns="91425" rIns="91425" bIns="91425" anchor="ctr" anchorCtr="0">
+            <a:noAutofit/>
+          </a:bodyPr>
+          <a:lstStyle>
+            <a:defPPr marR="0" lvl="0" algn="l" rtl="0">
+              <a:lnSpc>
+                <a:spcPct val="100000"/>
+              </a:lnSpc>
+              <a:spcBef>
+                <a:spcPts val="0"/>
+              </a:spcBef>
+              <a:spcAft>
+                <a:spcPts val="0"/>
+              </a:spcAft>
+            </a:defPPr>
+            <a:lvl1pPr marR="0" lvl="0" algn="r" rtl="0">
+              <a:lnSpc>
+                <a:spcPct val="100000"/>
+              </a:lnSpc>
+              <a:spcBef>
+                <a:spcPts val="0"/>
+              </a:spcBef>
+              <a:spcAft>
+                <a:spcPts val="0"/>
+              </a:spcAft>
+              <a:buClr>
+                <a:schemeClr val="dk1"/>
+              </a:buClr>
+              <a:buSzPts val="5200"/>
+              <a:buFont typeface="Montserrat Black"/>
+              <a:buNone/>
+              <a:defRPr sz="4500" b="0" i="0" u="none" strike="noStrike" cap="none">
+                <a:solidFill>
+                  <a:schemeClr val="dk1"/>
+                </a:solidFill>
+                <a:latin typeface="Montserrat Black"/>
+                <a:ea typeface="Montserrat Black"/>
+                <a:cs typeface="Montserrat Black"/>
+                <a:sym typeface="Montserrat Black"/>
+              </a:defRPr>
+            </a:lvl1pPr>
+            <a:lvl2pPr marR="0" lvl="1" algn="ctr" rtl="0">
+              <a:lnSpc>
+                <a:spcPct val="100000"/>
+              </a:lnSpc>
+              <a:spcBef>
+                <a:spcPts val="0"/>
+              </a:spcBef>
+              <a:spcAft>
+                <a:spcPts val="0"/>
+              </a:spcAft>
+              <a:buClr>
+                <a:schemeClr val="dk1"/>
+              </a:buClr>
+              <a:buSzPts val="5200"/>
+              <a:buFont typeface="Montserrat Black"/>
+              <a:buNone/>
+              <a:defRPr sz="5200" b="0" i="0" u="none" strike="noStrike" cap="none">
+                <a:solidFill>
+                  <a:schemeClr val="dk1"/>
+                </a:solidFill>
+                <a:latin typeface="Montserrat Black"/>
+                <a:ea typeface="Montserrat Black"/>
+                <a:cs typeface="Montserrat Black"/>
+                <a:sym typeface="Montserrat Black"/>
+              </a:defRPr>
+            </a:lvl2pPr>
+            <a:lvl3pPr marR="0" lvl="2" algn="ctr" rtl="0">
+              <a:lnSpc>
+                <a:spcPct val="100000"/>
+              </a:lnSpc>
+              <a:spcBef>
+                <a:spcPts val="0"/>
+              </a:spcBef>
+              <a:spcAft>
+                <a:spcPts val="0"/>
+              </a:spcAft>
+              <a:buClr>
+                <a:schemeClr val="dk1"/>
+              </a:buClr>
+              <a:buSzPts val="5200"/>
+              <a:buFont typeface="Montserrat Black"/>
+              <a:buNone/>
+              <a:defRPr sz="5200" b="0" i="0" u="none" strike="noStrike" cap="none">
+                <a:solidFill>
+                  <a:schemeClr val="dk1"/>
+                </a:solidFill>
+                <a:latin typeface="Montserrat Black"/>
+                <a:ea typeface="Montserrat Black"/>
+                <a:cs typeface="Montserrat Black"/>
+                <a:sym typeface="Montserrat Black"/>
+              </a:defRPr>
+            </a:lvl3pPr>
+            <a:lvl4pPr marR="0" lvl="3" algn="ctr" rtl="0">
+              <a:lnSpc>
+                <a:spcPct val="100000"/>
+              </a:lnSpc>
+              <a:spcBef>
+                <a:spcPts val="0"/>
+              </a:spcBef>
+              <a:spcAft>
+                <a:spcPts val="0"/>
+              </a:spcAft>
+              <a:buClr>
+                <a:schemeClr val="dk1"/>
+              </a:buClr>
+              <a:buSzPts val="5200"/>
+              <a:buFont typeface="Montserrat Black"/>
+              <a:buNone/>
+              <a:defRPr sz="5200" b="0" i="0" u="none" strike="noStrike" cap="none">
+                <a:solidFill>
+                  <a:schemeClr val="dk1"/>
+                </a:solidFill>
+                <a:latin typeface="Montserrat Black"/>
+                <a:ea typeface="Montserrat Black"/>
+                <a:cs typeface="Montserrat Black"/>
+                <a:sym typeface="Montserrat Black"/>
+              </a:defRPr>
+            </a:lvl4pPr>
+            <a:lvl5pPr marR="0" lvl="4" algn="ctr" rtl="0">
+              <a:lnSpc>
+                <a:spcPct val="100000"/>
+              </a:lnSpc>
+              <a:spcBef>
+                <a:spcPts val="0"/>
+              </a:spcBef>
+              <a:spcAft>
+                <a:spcPts val="0"/>
+              </a:spcAft>
+              <a:buClr>
+                <a:schemeClr val="dk1"/>
+              </a:buClr>
+              <a:buSzPts val="5200"/>
+              <a:buFont typeface="Montserrat Black"/>
+              <a:buNone/>
+              <a:defRPr sz="5200" b="0" i="0" u="none" strike="noStrike" cap="none">
+                <a:solidFill>
+                  <a:schemeClr val="dk1"/>
+                </a:solidFill>
+                <a:latin typeface="Montserrat Black"/>
+                <a:ea typeface="Montserrat Black"/>
+                <a:cs typeface="Montserrat Black"/>
+                <a:sym typeface="Montserrat Black"/>
+              </a:defRPr>
+            </a:lvl5pPr>
+            <a:lvl6pPr marR="0" lvl="5" algn="ctr" rtl="0">
+              <a:lnSpc>
+                <a:spcPct val="100000"/>
+              </a:lnSpc>
+              <a:spcBef>
+                <a:spcPts val="0"/>
+              </a:spcBef>
+              <a:spcAft>
+                <a:spcPts val="0"/>
+              </a:spcAft>
+              <a:buClr>
+                <a:schemeClr val="dk1"/>
+              </a:buClr>
+              <a:buSzPts val="5200"/>
+              <a:buFont typeface="Montserrat Black"/>
+              <a:buNone/>
+              <a:defRPr sz="5200" b="0" i="0" u="none" strike="noStrike" cap="none">
+                <a:solidFill>
+                  <a:schemeClr val="dk1"/>
+                </a:solidFill>
+                <a:latin typeface="Montserrat Black"/>
+                <a:ea typeface="Montserrat Black"/>
+                <a:cs typeface="Montserrat Black"/>
+                <a:sym typeface="Montserrat Black"/>
+              </a:defRPr>
+            </a:lvl6pPr>
+            <a:lvl7pPr marR="0" lvl="6" algn="ctr" rtl="0">
+              <a:lnSpc>
+                <a:spcPct val="100000"/>
+              </a:lnSpc>
+              <a:spcBef>
+                <a:spcPts val="0"/>
+              </a:spcBef>
+              <a:spcAft>
+                <a:spcPts val="0"/>
+              </a:spcAft>
+              <a:buClr>
+                <a:schemeClr val="dk1"/>
+              </a:buClr>
+              <a:buSzPts val="5200"/>
+              <a:buFont typeface="Montserrat Black"/>
+              <a:buNone/>
+              <a:defRPr sz="5200" b="0" i="0" u="none" strike="noStrike" cap="none">
+                <a:solidFill>
+                  <a:schemeClr val="dk1"/>
+                </a:solidFill>
+                <a:latin typeface="Montserrat Black"/>
+                <a:ea typeface="Montserrat Black"/>
+                <a:cs typeface="Montserrat Black"/>
+                <a:sym typeface="Montserrat Black"/>
+              </a:defRPr>
+            </a:lvl7pPr>
+            <a:lvl8pPr marR="0" lvl="7" algn="ctr" rtl="0">
+              <a:lnSpc>
+                <a:spcPct val="100000"/>
+              </a:lnSpc>
+              <a:spcBef>
+                <a:spcPts val="0"/>
+              </a:spcBef>
+              <a:spcAft>
+                <a:spcPts val="0"/>
+              </a:spcAft>
+              <a:buClr>
+                <a:schemeClr val="dk1"/>
+              </a:buClr>
+              <a:buSzPts val="5200"/>
+              <a:buFont typeface="Montserrat Black"/>
+              <a:buNone/>
+              <a:defRPr sz="5200" b="0" i="0" u="none" strike="noStrike" cap="none">
+                <a:solidFill>
+                  <a:schemeClr val="dk1"/>
+                </a:solidFill>
+                <a:latin typeface="Montserrat Black"/>
+                <a:ea typeface="Montserrat Black"/>
+                <a:cs typeface="Montserrat Black"/>
+                <a:sym typeface="Montserrat Black"/>
+              </a:defRPr>
+            </a:lvl8pPr>
+            <a:lvl9pPr marR="0" lvl="8" algn="ctr" rtl="0">
+              <a:lnSpc>
+                <a:spcPct val="100000"/>
+              </a:lnSpc>
+              <a:spcBef>
+                <a:spcPts val="0"/>
+              </a:spcBef>
+              <a:spcAft>
+                <a:spcPts val="0"/>
+              </a:spcAft>
+              <a:buClr>
+                <a:schemeClr val="dk1"/>
+              </a:buClr>
+              <a:buSzPts val="5200"/>
+              <a:buFont typeface="Montserrat Black"/>
+              <a:buNone/>
+              <a:defRPr sz="5200" b="0" i="0" u="none" strike="noStrike" cap="none">
+                <a:solidFill>
+                  <a:schemeClr val="dk1"/>
+                </a:solidFill>
+                <a:latin typeface="Montserrat Black"/>
+                <a:ea typeface="Montserrat Black"/>
+                <a:cs typeface="Montserrat Black"/>
+                <a:sym typeface="Montserrat Black"/>
+              </a:defRPr>
+            </a:lvl9pPr>
+          </a:lstStyle>
+          <a:p>
+            <a:pPr algn="ctr"/>
+            <a:r>
+              <a:rPr lang="en-US" sz="2800" b="1" dirty="0" smtClean="0">
+                <a:latin typeface="+mj-lt"/>
+                <a:ea typeface="Open Sans" panose="020B0604020202020204" charset="0"/>
+                <a:cs typeface="Open Sans" panose="020B0604020202020204" charset="0"/>
+              </a:rPr>
+              <a:t>CÁC TÍNH NĂNG CHÍNH</a:t>
+            </a:r>
+            <a:endParaRPr lang="en-US" sz="2800" b="1" dirty="0">
+              <a:latin typeface="+mj-lt"/>
+              <a:ea typeface="Open Sans" panose="020B0604020202020204" charset="0"/>
+              <a:cs typeface="Open Sans" panose="020B0604020202020204" charset="0"/>
+            </a:endParaRPr>
+          </a:p>
+        </p:txBody>
+      </p:sp>
+      <p:sp>
+        <p:nvSpPr>
+          <p:cNvPr id="94" name="TextBox 93"/>
+          <p:cNvSpPr txBox="1"/>
+          <p:nvPr/>
+        </p:nvSpPr>
+        <p:spPr>
+          <a:xfrm>
+            <a:off x="8801100" y="4822031"/>
+            <a:ext cx="342900" cy="307777"/>
+          </a:xfrm>
+          <a:prstGeom prst="rect">
+            <a:avLst/>
+          </a:prstGeom>
+          <a:noFill/>
+        </p:spPr>
+        <p:txBody>
+          <a:bodyPr wrap="square" rtlCol="0">
+            <a:spAutoFit/>
+          </a:bodyPr>
+          <a:lstStyle/>
+          <a:p>
+            <a:pPr algn="ctr"/>
+            <a:r>
+              <a:rPr lang="en-US" b="1" dirty="0">
+                <a:solidFill>
+                  <a:schemeClr val="bg2">
+                    <a:lumMod val="50000"/>
+                  </a:schemeClr>
+                </a:solidFill>
+                <a:latin typeface="Open Sans" panose="020B0604020202020204" charset="0"/>
+                <a:ea typeface="Open Sans" panose="020B0604020202020204" charset="0"/>
+                <a:cs typeface="Open Sans" panose="020B0604020202020204" charset="0"/>
+              </a:rPr>
+              <a:t>6</a:t>
+            </a:r>
+          </a:p>
+        </p:txBody>
+      </p:sp>
+      <p:pic>
+        <p:nvPicPr>
+          <p:cNvPr id="53" name="Picture 52"/>
+          <p:cNvPicPr>
+            <a:picLocks noChangeAspect="1"/>
+          </p:cNvPicPr>
+          <p:nvPr/>
+        </p:nvPicPr>
+        <p:blipFill>
+          <a:blip r:embed="rId3">
+            <a:extLst>
+              <a:ext uri="{28A0092B-C50C-407E-A947-70E740481C1C}">
+                <a14:useLocalDpi xmlns:a14="http://schemas.microsoft.com/office/drawing/2010/main" val="0"/>
+              </a:ext>
+            </a:extLst>
+          </a:blip>
+          <a:stretch>
+            <a:fillRect/>
+          </a:stretch>
+        </p:blipFill>
+        <p:spPr>
+          <a:xfrm>
+            <a:off x="-328312" y="18571"/>
+            <a:ext cx="1299436" cy="918752"/>
+          </a:xfrm>
+          <a:prstGeom prst="rect">
+            <a:avLst/>
+          </a:prstGeom>
+        </p:spPr>
+      </p:pic>
+      <p:sp>
+        <p:nvSpPr>
+          <p:cNvPr id="55" name="Google Shape;788;p58"/>
+          <p:cNvSpPr txBox="1"/>
+          <p:nvPr/>
+        </p:nvSpPr>
+        <p:spPr>
+          <a:xfrm>
+            <a:off x="971124" y="1604699"/>
+            <a:ext cx="7140197" cy="2771357"/>
+          </a:xfrm>
+          <a:prstGeom prst="rect">
+            <a:avLst/>
+          </a:prstGeom>
+          <a:noFill/>
+          <a:ln>
+            <a:noFill/>
+          </a:ln>
+        </p:spPr>
+        <p:txBody>
+          <a:bodyPr spcFirstLastPara="1" wrap="square" lIns="91425" tIns="91425" rIns="91425" bIns="91425" anchor="ctr" anchorCtr="0">
+            <a:noAutofit/>
+          </a:bodyPr>
+          <a:lstStyle/>
+          <a:p>
+            <a:pPr marL="0" lvl="0" indent="0" rtl="0">
+              <a:spcBef>
+                <a:spcPts val="0"/>
+              </a:spcBef>
+              <a:spcAft>
+                <a:spcPts val="0"/>
+              </a:spcAft>
+              <a:buNone/>
+            </a:pPr>
+            <a:r>
+              <a:rPr lang="en-US" sz="1600" b="1" dirty="0" smtClean="0">
+                <a:solidFill>
+                  <a:schemeClr val="bg2">
+                    <a:lumMod val="50000"/>
+                  </a:schemeClr>
+                </a:solidFill>
+                <a:latin typeface="Google Sans" panose="020B0503030502040204" pitchFamily="34" charset="0"/>
+                <a:ea typeface="Open Sans"/>
+                <a:cs typeface="Open Sans"/>
+                <a:sym typeface="Open Sans"/>
+              </a:rPr>
+              <a:t>1. </a:t>
+            </a:r>
+            <a:r>
+              <a:rPr lang="en-US" sz="1600" b="1" dirty="0" err="1" smtClean="0">
+                <a:solidFill>
+                  <a:schemeClr val="bg2">
+                    <a:lumMod val="50000"/>
+                  </a:schemeClr>
+                </a:solidFill>
+                <a:latin typeface="Google Sans" panose="020B0503030502040204" pitchFamily="34" charset="0"/>
+                <a:ea typeface="Open Sans"/>
+                <a:cs typeface="Open Sans"/>
+                <a:sym typeface="Open Sans"/>
+              </a:rPr>
+              <a:t>Điều</a:t>
+            </a:r>
+            <a:r>
+              <a:rPr lang="en-US" sz="1600" b="1" dirty="0" smtClean="0">
+                <a:solidFill>
+                  <a:schemeClr val="bg2">
+                    <a:lumMod val="50000"/>
+                  </a:schemeClr>
+                </a:solidFill>
+                <a:latin typeface="Google Sans" panose="020B0503030502040204" pitchFamily="34" charset="0"/>
+                <a:ea typeface="Open Sans"/>
+                <a:cs typeface="Open Sans"/>
+                <a:sym typeface="Open Sans"/>
+              </a:rPr>
+              <a:t> </a:t>
+            </a:r>
+            <a:r>
+              <a:rPr lang="en-US" sz="1600" b="1" dirty="0" err="1" smtClean="0">
+                <a:solidFill>
+                  <a:schemeClr val="bg2">
+                    <a:lumMod val="50000"/>
+                  </a:schemeClr>
+                </a:solidFill>
+                <a:latin typeface="Google Sans" panose="020B0503030502040204" pitchFamily="34" charset="0"/>
+                <a:ea typeface="Open Sans"/>
+                <a:cs typeface="Open Sans"/>
+                <a:sym typeface="Open Sans"/>
+              </a:rPr>
+              <a:t>khiển</a:t>
+            </a:r>
+            <a:r>
+              <a:rPr lang="en-US" sz="1600" b="1" dirty="0" smtClean="0">
+                <a:solidFill>
+                  <a:schemeClr val="bg2">
+                    <a:lumMod val="50000"/>
+                  </a:schemeClr>
+                </a:solidFill>
+                <a:latin typeface="Google Sans" panose="020B0503030502040204" pitchFamily="34" charset="0"/>
+                <a:ea typeface="Open Sans"/>
+                <a:cs typeface="Open Sans"/>
+                <a:sym typeface="Open Sans"/>
+              </a:rPr>
+              <a:t> </a:t>
+            </a:r>
+            <a:r>
+              <a:rPr lang="en-US" sz="1600" b="1" dirty="0" err="1" smtClean="0">
+                <a:solidFill>
+                  <a:schemeClr val="bg2">
+                    <a:lumMod val="50000"/>
+                  </a:schemeClr>
+                </a:solidFill>
+                <a:latin typeface="Google Sans" panose="020B0503030502040204" pitchFamily="34" charset="0"/>
+                <a:ea typeface="Open Sans"/>
+                <a:cs typeface="Open Sans"/>
+                <a:sym typeface="Open Sans"/>
+              </a:rPr>
+              <a:t>đèn</a:t>
+            </a:r>
+            <a:r>
+              <a:rPr lang="en-US" sz="1600" b="1" dirty="0" smtClean="0">
+                <a:solidFill>
+                  <a:schemeClr val="bg2">
+                    <a:lumMod val="50000"/>
+                  </a:schemeClr>
+                </a:solidFill>
+                <a:latin typeface="Google Sans" panose="020B0503030502040204" pitchFamily="34" charset="0"/>
+                <a:ea typeface="Open Sans"/>
+                <a:cs typeface="Open Sans"/>
+                <a:sym typeface="Open Sans"/>
+              </a:rPr>
+              <a:t> </a:t>
+            </a:r>
+            <a:r>
+              <a:rPr lang="en-US" sz="1600" b="1" dirty="0" err="1" smtClean="0">
+                <a:solidFill>
+                  <a:schemeClr val="bg2">
+                    <a:lumMod val="50000"/>
+                  </a:schemeClr>
+                </a:solidFill>
+                <a:latin typeface="Google Sans" panose="020B0503030502040204" pitchFamily="34" charset="0"/>
+                <a:ea typeface="Open Sans"/>
+                <a:cs typeface="Open Sans"/>
+                <a:sym typeface="Open Sans"/>
+              </a:rPr>
+              <a:t>giao</a:t>
+            </a:r>
+            <a:r>
+              <a:rPr lang="en-US" sz="1600" b="1" dirty="0" smtClean="0">
+                <a:solidFill>
+                  <a:schemeClr val="bg2">
+                    <a:lumMod val="50000"/>
+                  </a:schemeClr>
+                </a:solidFill>
+                <a:latin typeface="Google Sans" panose="020B0503030502040204" pitchFamily="34" charset="0"/>
+                <a:ea typeface="Open Sans"/>
+                <a:cs typeface="Open Sans"/>
+                <a:sym typeface="Open Sans"/>
+              </a:rPr>
+              <a:t> </a:t>
+            </a:r>
+            <a:r>
+              <a:rPr lang="en-US" sz="1600" b="1" dirty="0" err="1" smtClean="0">
+                <a:solidFill>
+                  <a:schemeClr val="bg2">
+                    <a:lumMod val="50000"/>
+                  </a:schemeClr>
+                </a:solidFill>
+                <a:latin typeface="Google Sans" panose="020B0503030502040204" pitchFamily="34" charset="0"/>
+                <a:ea typeface="Open Sans"/>
+                <a:cs typeface="Open Sans"/>
+                <a:sym typeface="Open Sans"/>
+              </a:rPr>
+              <a:t>thông</a:t>
+            </a:r>
+            <a:endParaRPr lang="en-US" sz="1600" b="1" dirty="0" smtClean="0">
+              <a:solidFill>
+                <a:schemeClr val="bg2">
+                  <a:lumMod val="50000"/>
+                </a:schemeClr>
+              </a:solidFill>
+              <a:latin typeface="Google Sans" panose="020B0503030502040204" pitchFamily="34" charset="0"/>
+              <a:ea typeface="Open Sans"/>
+              <a:cs typeface="Open Sans"/>
+              <a:sym typeface="Open Sans"/>
+            </a:endParaRPr>
+          </a:p>
+          <a:p>
+            <a:pPr marL="0" lvl="0" indent="0" rtl="0">
+              <a:spcBef>
+                <a:spcPts val="0"/>
+              </a:spcBef>
+              <a:spcAft>
+                <a:spcPts val="0"/>
+              </a:spcAft>
+              <a:buNone/>
+            </a:pPr>
+            <a:endParaRPr lang="en-US" sz="1600" b="1" dirty="0" smtClean="0">
+              <a:solidFill>
+                <a:schemeClr val="bg2">
+                  <a:lumMod val="50000"/>
+                </a:schemeClr>
+              </a:solidFill>
+              <a:latin typeface="Google Sans" panose="020B0503030502040204" pitchFamily="34" charset="0"/>
+              <a:ea typeface="Open Sans"/>
+              <a:cs typeface="Open Sans"/>
+              <a:sym typeface="Open Sans"/>
+            </a:endParaRPr>
+          </a:p>
+          <a:p>
+            <a:pPr marL="0" lvl="0" indent="0" rtl="0">
+              <a:spcBef>
+                <a:spcPts val="0"/>
+              </a:spcBef>
+              <a:spcAft>
+                <a:spcPts val="0"/>
+              </a:spcAft>
+              <a:buNone/>
+            </a:pPr>
+            <a:r>
+              <a:rPr lang="en-US" sz="1600" b="1" dirty="0" smtClean="0">
+                <a:solidFill>
+                  <a:schemeClr val="bg2">
+                    <a:lumMod val="50000"/>
+                  </a:schemeClr>
+                </a:solidFill>
+                <a:latin typeface="Google Sans" panose="020B0503030502040204" pitchFamily="34" charset="0"/>
+                <a:ea typeface="Open Sans"/>
+                <a:cs typeface="Open Sans"/>
+                <a:sym typeface="Open Sans"/>
+              </a:rPr>
+              <a:t>2. </a:t>
+            </a:r>
+            <a:r>
+              <a:rPr lang="en-US" sz="1600" b="1" dirty="0" err="1" smtClean="0">
+                <a:solidFill>
+                  <a:schemeClr val="bg2">
+                    <a:lumMod val="50000"/>
+                  </a:schemeClr>
+                </a:solidFill>
+                <a:latin typeface="Google Sans" panose="020B0503030502040204" pitchFamily="34" charset="0"/>
+                <a:ea typeface="Open Sans"/>
+                <a:cs typeface="Open Sans"/>
+                <a:sym typeface="Open Sans"/>
+              </a:rPr>
+              <a:t>Chỉnh</a:t>
+            </a:r>
+            <a:r>
+              <a:rPr lang="en-US" sz="1600" b="1" dirty="0" smtClean="0">
+                <a:solidFill>
+                  <a:schemeClr val="bg2">
+                    <a:lumMod val="50000"/>
+                  </a:schemeClr>
+                </a:solidFill>
+                <a:latin typeface="Google Sans" panose="020B0503030502040204" pitchFamily="34" charset="0"/>
+                <a:ea typeface="Open Sans"/>
+                <a:cs typeface="Open Sans"/>
+                <a:sym typeface="Open Sans"/>
+              </a:rPr>
+              <a:t> </a:t>
+            </a:r>
+            <a:r>
+              <a:rPr lang="en-US" sz="1600" b="1" dirty="0" err="1" smtClean="0">
+                <a:solidFill>
+                  <a:schemeClr val="bg2">
+                    <a:lumMod val="50000"/>
+                  </a:schemeClr>
+                </a:solidFill>
+                <a:latin typeface="Google Sans" panose="020B0503030502040204" pitchFamily="34" charset="0"/>
+                <a:ea typeface="Open Sans"/>
+                <a:cs typeface="Open Sans"/>
+                <a:sym typeface="Open Sans"/>
+              </a:rPr>
+              <a:t>thời</a:t>
+            </a:r>
+            <a:r>
+              <a:rPr lang="en-US" sz="1600" b="1" dirty="0" smtClean="0">
+                <a:solidFill>
+                  <a:schemeClr val="bg2">
+                    <a:lumMod val="50000"/>
+                  </a:schemeClr>
+                </a:solidFill>
+                <a:latin typeface="Google Sans" panose="020B0503030502040204" pitchFamily="34" charset="0"/>
+                <a:ea typeface="Open Sans"/>
+                <a:cs typeface="Open Sans"/>
+                <a:sym typeface="Open Sans"/>
+              </a:rPr>
+              <a:t> </a:t>
+            </a:r>
+            <a:r>
+              <a:rPr lang="en-US" sz="1600" b="1" dirty="0" err="1" smtClean="0">
+                <a:solidFill>
+                  <a:schemeClr val="bg2">
+                    <a:lumMod val="50000"/>
+                  </a:schemeClr>
+                </a:solidFill>
+                <a:latin typeface="Google Sans" panose="020B0503030502040204" pitchFamily="34" charset="0"/>
+                <a:ea typeface="Open Sans"/>
+                <a:cs typeface="Open Sans"/>
+                <a:sym typeface="Open Sans"/>
+              </a:rPr>
+              <a:t>gian</a:t>
+            </a:r>
+            <a:r>
+              <a:rPr lang="en-US" sz="1600" b="1" dirty="0" smtClean="0">
+                <a:solidFill>
+                  <a:schemeClr val="bg2">
+                    <a:lumMod val="50000"/>
+                  </a:schemeClr>
+                </a:solidFill>
+                <a:latin typeface="Google Sans" panose="020B0503030502040204" pitchFamily="34" charset="0"/>
+                <a:ea typeface="Open Sans"/>
+                <a:cs typeface="Open Sans"/>
+                <a:sym typeface="Open Sans"/>
+              </a:rPr>
+              <a:t> </a:t>
+            </a:r>
+            <a:r>
+              <a:rPr lang="en-US" sz="1600" b="1" dirty="0" err="1" smtClean="0">
+                <a:solidFill>
+                  <a:schemeClr val="bg2">
+                    <a:lumMod val="50000"/>
+                  </a:schemeClr>
+                </a:solidFill>
+                <a:latin typeface="Google Sans" panose="020B0503030502040204" pitchFamily="34" charset="0"/>
+                <a:ea typeface="Open Sans"/>
+                <a:cs typeface="Open Sans"/>
+                <a:sym typeface="Open Sans"/>
+              </a:rPr>
+              <a:t>hoạt</a:t>
+            </a:r>
+            <a:r>
+              <a:rPr lang="en-US" sz="1600" b="1" dirty="0" smtClean="0">
+                <a:solidFill>
+                  <a:schemeClr val="bg2">
+                    <a:lumMod val="50000"/>
+                  </a:schemeClr>
+                </a:solidFill>
+                <a:latin typeface="Google Sans" panose="020B0503030502040204" pitchFamily="34" charset="0"/>
+                <a:ea typeface="Open Sans"/>
+                <a:cs typeface="Open Sans"/>
+                <a:sym typeface="Open Sans"/>
+              </a:rPr>
+              <a:t> </a:t>
+            </a:r>
+            <a:r>
+              <a:rPr lang="en-US" sz="1600" b="1" dirty="0" err="1" smtClean="0">
+                <a:solidFill>
+                  <a:schemeClr val="bg2">
+                    <a:lumMod val="50000"/>
+                  </a:schemeClr>
+                </a:solidFill>
+                <a:latin typeface="Google Sans" panose="020B0503030502040204" pitchFamily="34" charset="0"/>
+                <a:ea typeface="Open Sans"/>
+                <a:cs typeface="Open Sans"/>
+                <a:sym typeface="Open Sans"/>
+              </a:rPr>
+              <a:t>động</a:t>
+            </a:r>
+            <a:r>
+              <a:rPr lang="en-US" sz="1600" b="1" dirty="0" smtClean="0">
+                <a:solidFill>
+                  <a:schemeClr val="bg2">
+                    <a:lumMod val="50000"/>
+                  </a:schemeClr>
+                </a:solidFill>
+                <a:latin typeface="Google Sans" panose="020B0503030502040204" pitchFamily="34" charset="0"/>
+                <a:ea typeface="Open Sans"/>
+                <a:cs typeface="Open Sans"/>
+                <a:sym typeface="Open Sans"/>
+              </a:rPr>
+              <a:t> </a:t>
+            </a:r>
+            <a:r>
+              <a:rPr lang="en-US" sz="1600" b="1" dirty="0" err="1" smtClean="0">
+                <a:solidFill>
+                  <a:schemeClr val="bg2">
+                    <a:lumMod val="50000"/>
+                  </a:schemeClr>
+                </a:solidFill>
+                <a:latin typeface="Google Sans" panose="020B0503030502040204" pitchFamily="34" charset="0"/>
+                <a:ea typeface="Open Sans"/>
+                <a:cs typeface="Open Sans"/>
+                <a:sym typeface="Open Sans"/>
+              </a:rPr>
+              <a:t>của</a:t>
+            </a:r>
+            <a:r>
+              <a:rPr lang="en-US" sz="1600" b="1" dirty="0" smtClean="0">
+                <a:solidFill>
+                  <a:schemeClr val="bg2">
+                    <a:lumMod val="50000"/>
+                  </a:schemeClr>
+                </a:solidFill>
+                <a:latin typeface="Google Sans" panose="020B0503030502040204" pitchFamily="34" charset="0"/>
+                <a:ea typeface="Open Sans"/>
+                <a:cs typeface="Open Sans"/>
+                <a:sym typeface="Open Sans"/>
+              </a:rPr>
+              <a:t> </a:t>
+            </a:r>
+            <a:r>
+              <a:rPr lang="en-US" sz="1600" b="1" dirty="0" err="1" smtClean="0">
+                <a:solidFill>
+                  <a:schemeClr val="bg2">
+                    <a:lumMod val="50000"/>
+                  </a:schemeClr>
+                </a:solidFill>
+                <a:latin typeface="Google Sans" panose="020B0503030502040204" pitchFamily="34" charset="0"/>
+                <a:ea typeface="Open Sans"/>
+                <a:cs typeface="Open Sans"/>
+                <a:sym typeface="Open Sans"/>
+              </a:rPr>
+              <a:t>từng</a:t>
+            </a:r>
+            <a:r>
+              <a:rPr lang="en-US" sz="1600" b="1" dirty="0" smtClean="0">
+                <a:solidFill>
+                  <a:schemeClr val="bg2">
+                    <a:lumMod val="50000"/>
+                  </a:schemeClr>
+                </a:solidFill>
+                <a:latin typeface="Google Sans" panose="020B0503030502040204" pitchFamily="34" charset="0"/>
+                <a:ea typeface="Open Sans"/>
+                <a:cs typeface="Open Sans"/>
+                <a:sym typeface="Open Sans"/>
+              </a:rPr>
+              <a:t> </a:t>
+            </a:r>
+            <a:r>
+              <a:rPr lang="en-US" sz="1600" b="1" dirty="0" err="1" smtClean="0">
+                <a:solidFill>
+                  <a:schemeClr val="bg2">
+                    <a:lumMod val="50000"/>
+                  </a:schemeClr>
+                </a:solidFill>
+                <a:latin typeface="Google Sans" panose="020B0503030502040204" pitchFamily="34" charset="0"/>
+                <a:ea typeface="Open Sans"/>
+                <a:cs typeface="Open Sans"/>
+                <a:sym typeface="Open Sans"/>
+              </a:rPr>
+              <a:t>loại</a:t>
+            </a:r>
+            <a:r>
+              <a:rPr lang="en-US" sz="1600" b="1" dirty="0" smtClean="0">
+                <a:solidFill>
+                  <a:schemeClr val="bg2">
+                    <a:lumMod val="50000"/>
+                  </a:schemeClr>
+                </a:solidFill>
+                <a:latin typeface="Google Sans" panose="020B0503030502040204" pitchFamily="34" charset="0"/>
+                <a:ea typeface="Open Sans"/>
+                <a:cs typeface="Open Sans"/>
+                <a:sym typeface="Open Sans"/>
+              </a:rPr>
+              <a:t> </a:t>
+            </a:r>
+            <a:r>
+              <a:rPr lang="en-US" sz="1600" b="1" dirty="0" err="1" smtClean="0">
+                <a:solidFill>
+                  <a:schemeClr val="bg2">
+                    <a:lumMod val="50000"/>
+                  </a:schemeClr>
+                </a:solidFill>
+                <a:latin typeface="Google Sans" panose="020B0503030502040204" pitchFamily="34" charset="0"/>
+                <a:ea typeface="Open Sans"/>
+                <a:cs typeface="Open Sans"/>
+                <a:sym typeface="Open Sans"/>
+              </a:rPr>
+              <a:t>đèn</a:t>
+            </a:r>
+            <a:r>
+              <a:rPr lang="en-US" sz="1600" b="1" dirty="0" smtClean="0">
+                <a:solidFill>
+                  <a:schemeClr val="bg2">
+                    <a:lumMod val="50000"/>
+                  </a:schemeClr>
+                </a:solidFill>
+                <a:latin typeface="Google Sans" panose="020B0503030502040204" pitchFamily="34" charset="0"/>
+                <a:ea typeface="Open Sans"/>
+                <a:cs typeface="Open Sans"/>
+                <a:sym typeface="Open Sans"/>
+              </a:rPr>
+              <a:t> </a:t>
+            </a:r>
+            <a:r>
+              <a:rPr lang="en-US" sz="1600" b="1" dirty="0" err="1" smtClean="0">
+                <a:solidFill>
+                  <a:schemeClr val="bg2">
+                    <a:lumMod val="50000"/>
+                  </a:schemeClr>
+                </a:solidFill>
+                <a:latin typeface="Google Sans" panose="020B0503030502040204" pitchFamily="34" charset="0"/>
+                <a:ea typeface="Open Sans"/>
+                <a:cs typeface="Open Sans"/>
+                <a:sym typeface="Open Sans"/>
+              </a:rPr>
+              <a:t>giao</a:t>
+            </a:r>
+            <a:r>
+              <a:rPr lang="en-US" sz="1600" b="1" dirty="0" smtClean="0">
+                <a:solidFill>
+                  <a:schemeClr val="bg2">
+                    <a:lumMod val="50000"/>
+                  </a:schemeClr>
+                </a:solidFill>
+                <a:latin typeface="Google Sans" panose="020B0503030502040204" pitchFamily="34" charset="0"/>
+                <a:ea typeface="Open Sans"/>
+                <a:cs typeface="Open Sans"/>
+                <a:sym typeface="Open Sans"/>
+              </a:rPr>
+              <a:t> </a:t>
+            </a:r>
+            <a:r>
+              <a:rPr lang="en-US" sz="1600" b="1" dirty="0" err="1" smtClean="0">
+                <a:solidFill>
+                  <a:schemeClr val="bg2">
+                    <a:lumMod val="50000"/>
+                  </a:schemeClr>
+                </a:solidFill>
+                <a:latin typeface="Google Sans" panose="020B0503030502040204" pitchFamily="34" charset="0"/>
+                <a:ea typeface="Open Sans"/>
+                <a:cs typeface="Open Sans"/>
+                <a:sym typeface="Open Sans"/>
+              </a:rPr>
+              <a:t>thông</a:t>
+            </a:r>
+            <a:endParaRPr lang="en-US" sz="1600" b="1" dirty="0" smtClean="0">
+              <a:solidFill>
+                <a:schemeClr val="bg2">
+                  <a:lumMod val="50000"/>
+                </a:schemeClr>
+              </a:solidFill>
+              <a:latin typeface="Google Sans" panose="020B0503030502040204" pitchFamily="34" charset="0"/>
+              <a:ea typeface="Open Sans"/>
+              <a:cs typeface="Open Sans"/>
+              <a:sym typeface="Open Sans"/>
+            </a:endParaRPr>
+          </a:p>
+          <a:p>
+            <a:pPr marL="0" lvl="0" indent="0" rtl="0">
+              <a:spcBef>
+                <a:spcPts val="0"/>
+              </a:spcBef>
+              <a:spcAft>
+                <a:spcPts val="0"/>
+              </a:spcAft>
+              <a:buNone/>
+            </a:pPr>
+            <a:endParaRPr lang="en-US" sz="1600" b="1" dirty="0">
+              <a:solidFill>
+                <a:schemeClr val="bg2">
+                  <a:lumMod val="50000"/>
+                </a:schemeClr>
+              </a:solidFill>
+              <a:latin typeface="Google Sans" panose="020B0503030502040204" pitchFamily="34" charset="0"/>
+              <a:ea typeface="Open Sans"/>
+              <a:cs typeface="Open Sans"/>
+              <a:sym typeface="Open Sans"/>
+            </a:endParaRPr>
+          </a:p>
+          <a:p>
+            <a:pPr marL="0" lvl="0" indent="0" rtl="0">
+              <a:spcBef>
+                <a:spcPts val="0"/>
+              </a:spcBef>
+              <a:spcAft>
+                <a:spcPts val="0"/>
+              </a:spcAft>
+              <a:buNone/>
+            </a:pPr>
+            <a:r>
+              <a:rPr lang="en-US" sz="1600" b="1" dirty="0" smtClean="0">
+                <a:solidFill>
+                  <a:schemeClr val="bg2">
+                    <a:lumMod val="50000"/>
+                  </a:schemeClr>
+                </a:solidFill>
+                <a:latin typeface="Google Sans" panose="020B0503030502040204" pitchFamily="34" charset="0"/>
+                <a:ea typeface="Open Sans"/>
+                <a:cs typeface="Open Sans"/>
+                <a:sym typeface="Open Sans"/>
+              </a:rPr>
+              <a:t>3. </a:t>
+            </a:r>
+            <a:r>
+              <a:rPr lang="en-US" sz="1600" b="1" dirty="0" err="1" smtClean="0">
+                <a:solidFill>
+                  <a:schemeClr val="bg2">
+                    <a:lumMod val="50000"/>
+                  </a:schemeClr>
+                </a:solidFill>
+                <a:latin typeface="Google Sans" panose="020B0503030502040204" pitchFamily="34" charset="0"/>
+                <a:ea typeface="Open Sans"/>
+                <a:cs typeface="Open Sans"/>
+                <a:sym typeface="Open Sans"/>
+              </a:rPr>
+              <a:t>Đèn</a:t>
+            </a:r>
+            <a:r>
+              <a:rPr lang="en-US" sz="1600" b="1" dirty="0" smtClean="0">
+                <a:solidFill>
+                  <a:schemeClr val="bg2">
+                    <a:lumMod val="50000"/>
+                  </a:schemeClr>
+                </a:solidFill>
+                <a:latin typeface="Google Sans" panose="020B0503030502040204" pitchFamily="34" charset="0"/>
+                <a:ea typeface="Open Sans"/>
+                <a:cs typeface="Open Sans"/>
+                <a:sym typeface="Open Sans"/>
+              </a:rPr>
+              <a:t> </a:t>
+            </a:r>
+            <a:r>
+              <a:rPr lang="en-US" sz="1600" b="1" dirty="0" err="1" smtClean="0">
+                <a:solidFill>
+                  <a:schemeClr val="bg2">
+                    <a:lumMod val="50000"/>
+                  </a:schemeClr>
+                </a:solidFill>
+                <a:latin typeface="Google Sans" panose="020B0503030502040204" pitchFamily="34" charset="0"/>
+                <a:ea typeface="Open Sans"/>
+                <a:cs typeface="Open Sans"/>
+                <a:sym typeface="Open Sans"/>
+              </a:rPr>
+              <a:t>dành</a:t>
+            </a:r>
+            <a:r>
+              <a:rPr lang="en-US" sz="1600" b="1" dirty="0" smtClean="0">
+                <a:solidFill>
+                  <a:schemeClr val="bg2">
+                    <a:lumMod val="50000"/>
+                  </a:schemeClr>
+                </a:solidFill>
+                <a:latin typeface="Google Sans" panose="020B0503030502040204" pitchFamily="34" charset="0"/>
+                <a:ea typeface="Open Sans"/>
+                <a:cs typeface="Open Sans"/>
+                <a:sym typeface="Open Sans"/>
+              </a:rPr>
+              <a:t> </a:t>
+            </a:r>
+            <a:r>
+              <a:rPr lang="en-US" sz="1600" b="1" dirty="0" err="1" smtClean="0">
+                <a:solidFill>
+                  <a:schemeClr val="bg2">
+                    <a:lumMod val="50000"/>
+                  </a:schemeClr>
+                </a:solidFill>
+                <a:latin typeface="Google Sans" panose="020B0503030502040204" pitchFamily="34" charset="0"/>
+                <a:ea typeface="Open Sans"/>
+                <a:cs typeface="Open Sans"/>
+                <a:sym typeface="Open Sans"/>
+              </a:rPr>
+              <a:t>cho</a:t>
+            </a:r>
+            <a:r>
+              <a:rPr lang="en-US" sz="1600" b="1" dirty="0" smtClean="0">
+                <a:solidFill>
+                  <a:schemeClr val="bg2">
+                    <a:lumMod val="50000"/>
+                  </a:schemeClr>
+                </a:solidFill>
+                <a:latin typeface="Google Sans" panose="020B0503030502040204" pitchFamily="34" charset="0"/>
+                <a:ea typeface="Open Sans"/>
+                <a:cs typeface="Open Sans"/>
+                <a:sym typeface="Open Sans"/>
+              </a:rPr>
+              <a:t> </a:t>
+            </a:r>
+            <a:r>
+              <a:rPr lang="en-US" sz="1600" b="1" dirty="0" err="1" smtClean="0">
+                <a:solidFill>
+                  <a:schemeClr val="bg2">
+                    <a:lumMod val="50000"/>
+                  </a:schemeClr>
+                </a:solidFill>
+                <a:latin typeface="Google Sans" panose="020B0503030502040204" pitchFamily="34" charset="0"/>
+                <a:ea typeface="Open Sans"/>
+                <a:cs typeface="Open Sans"/>
+                <a:sym typeface="Open Sans"/>
+              </a:rPr>
+              <a:t>người</a:t>
+            </a:r>
+            <a:r>
+              <a:rPr lang="en-US" sz="1600" b="1" dirty="0" smtClean="0">
+                <a:solidFill>
+                  <a:schemeClr val="bg2">
+                    <a:lumMod val="50000"/>
+                  </a:schemeClr>
+                </a:solidFill>
+                <a:latin typeface="Google Sans" panose="020B0503030502040204" pitchFamily="34" charset="0"/>
+                <a:ea typeface="Open Sans"/>
+                <a:cs typeface="Open Sans"/>
+                <a:sym typeface="Open Sans"/>
+              </a:rPr>
+              <a:t> </a:t>
+            </a:r>
+            <a:r>
+              <a:rPr lang="en-US" sz="1600" b="1" dirty="0" err="1" smtClean="0">
+                <a:solidFill>
+                  <a:schemeClr val="bg2">
+                    <a:lumMod val="50000"/>
+                  </a:schemeClr>
+                </a:solidFill>
+                <a:latin typeface="Google Sans" panose="020B0503030502040204" pitchFamily="34" charset="0"/>
+                <a:ea typeface="Open Sans"/>
+                <a:cs typeface="Open Sans"/>
+                <a:sym typeface="Open Sans"/>
+              </a:rPr>
+              <a:t>đi</a:t>
+            </a:r>
+            <a:r>
+              <a:rPr lang="en-US" sz="1600" b="1" dirty="0" smtClean="0">
+                <a:solidFill>
+                  <a:schemeClr val="bg2">
+                    <a:lumMod val="50000"/>
+                  </a:schemeClr>
+                </a:solidFill>
+                <a:latin typeface="Google Sans" panose="020B0503030502040204" pitchFamily="34" charset="0"/>
+                <a:ea typeface="Open Sans"/>
+                <a:cs typeface="Open Sans"/>
+                <a:sym typeface="Open Sans"/>
+              </a:rPr>
+              <a:t> </a:t>
+            </a:r>
+            <a:r>
+              <a:rPr lang="en-US" sz="1600" b="1" dirty="0" err="1" smtClean="0">
+                <a:solidFill>
+                  <a:schemeClr val="bg2">
+                    <a:lumMod val="50000"/>
+                  </a:schemeClr>
+                </a:solidFill>
+                <a:latin typeface="Google Sans" panose="020B0503030502040204" pitchFamily="34" charset="0"/>
+                <a:ea typeface="Open Sans"/>
+                <a:cs typeface="Open Sans"/>
+                <a:sym typeface="Open Sans"/>
+              </a:rPr>
+              <a:t>bộ</a:t>
+            </a:r>
+            <a:endParaRPr lang="en-US" sz="1600" b="1" dirty="0" smtClean="0">
+              <a:solidFill>
+                <a:schemeClr val="bg2">
+                  <a:lumMod val="50000"/>
+                </a:schemeClr>
+              </a:solidFill>
+              <a:latin typeface="Google Sans" panose="020B0503030502040204" pitchFamily="34" charset="0"/>
+              <a:ea typeface="Open Sans"/>
+              <a:cs typeface="Open Sans"/>
+              <a:sym typeface="Open Sans"/>
+            </a:endParaRPr>
+          </a:p>
+          <a:p>
+            <a:pPr marL="0" lvl="0" indent="0" rtl="0">
+              <a:spcBef>
+                <a:spcPts val="0"/>
+              </a:spcBef>
+              <a:spcAft>
+                <a:spcPts val="0"/>
+              </a:spcAft>
+              <a:buNone/>
+            </a:pPr>
+            <a:endParaRPr lang="en-US" sz="1600" b="1" dirty="0">
+              <a:solidFill>
+                <a:schemeClr val="bg2">
+                  <a:lumMod val="50000"/>
+                </a:schemeClr>
+              </a:solidFill>
+              <a:latin typeface="Google Sans" panose="020B0503030502040204" pitchFamily="34" charset="0"/>
+              <a:ea typeface="Open Sans"/>
+              <a:cs typeface="Open Sans"/>
+              <a:sym typeface="Open Sans"/>
+            </a:endParaRPr>
+          </a:p>
+          <a:p>
+            <a:pPr marL="0" lvl="0" indent="0" rtl="0">
+              <a:spcBef>
+                <a:spcPts val="0"/>
+              </a:spcBef>
+              <a:spcAft>
+                <a:spcPts val="0"/>
+              </a:spcAft>
+              <a:buNone/>
+            </a:pPr>
+            <a:r>
+              <a:rPr lang="en-US" sz="1600" b="1" dirty="0" smtClean="0">
+                <a:solidFill>
+                  <a:schemeClr val="bg2">
+                    <a:lumMod val="50000"/>
+                  </a:schemeClr>
+                </a:solidFill>
+                <a:latin typeface="Google Sans" panose="020B0503030502040204" pitchFamily="34" charset="0"/>
+                <a:ea typeface="Open Sans"/>
+                <a:cs typeface="Open Sans"/>
+                <a:sym typeface="Open Sans"/>
+              </a:rPr>
+              <a:t>4. </a:t>
+            </a:r>
+            <a:r>
+              <a:rPr lang="en-US" sz="1600" b="1" dirty="0" err="1" smtClean="0">
+                <a:solidFill>
+                  <a:schemeClr val="bg2">
+                    <a:lumMod val="50000"/>
+                  </a:schemeClr>
+                </a:solidFill>
+                <a:latin typeface="Google Sans" panose="020B0503030502040204" pitchFamily="34" charset="0"/>
+                <a:ea typeface="Open Sans"/>
+                <a:cs typeface="Open Sans"/>
+                <a:sym typeface="Open Sans"/>
+              </a:rPr>
+              <a:t>Chuông</a:t>
+            </a:r>
+            <a:r>
+              <a:rPr lang="en-US" sz="1600" b="1" dirty="0" smtClean="0">
+                <a:solidFill>
+                  <a:schemeClr val="bg2">
+                    <a:lumMod val="50000"/>
+                  </a:schemeClr>
+                </a:solidFill>
+                <a:latin typeface="Google Sans" panose="020B0503030502040204" pitchFamily="34" charset="0"/>
+                <a:ea typeface="Open Sans"/>
+                <a:cs typeface="Open Sans"/>
+                <a:sym typeface="Open Sans"/>
+              </a:rPr>
+              <a:t> </a:t>
+            </a:r>
+            <a:r>
+              <a:rPr lang="en-US" sz="1600" b="1" dirty="0" err="1" smtClean="0">
+                <a:solidFill>
+                  <a:schemeClr val="bg2">
+                    <a:lumMod val="50000"/>
+                  </a:schemeClr>
+                </a:solidFill>
+                <a:latin typeface="Google Sans" panose="020B0503030502040204" pitchFamily="34" charset="0"/>
+                <a:ea typeface="Open Sans"/>
+                <a:cs typeface="Open Sans"/>
+                <a:sym typeface="Open Sans"/>
+              </a:rPr>
+              <a:t>cảnh</a:t>
+            </a:r>
+            <a:r>
+              <a:rPr lang="en-US" sz="1600" b="1" dirty="0" smtClean="0">
+                <a:solidFill>
+                  <a:schemeClr val="bg2">
+                    <a:lumMod val="50000"/>
+                  </a:schemeClr>
+                </a:solidFill>
+                <a:latin typeface="Google Sans" panose="020B0503030502040204" pitchFamily="34" charset="0"/>
+                <a:ea typeface="Open Sans"/>
+                <a:cs typeface="Open Sans"/>
+                <a:sym typeface="Open Sans"/>
+              </a:rPr>
+              <a:t> </a:t>
+            </a:r>
+            <a:r>
+              <a:rPr lang="en-US" sz="1600" b="1" dirty="0" err="1" smtClean="0">
+                <a:solidFill>
+                  <a:schemeClr val="bg2">
+                    <a:lumMod val="50000"/>
+                  </a:schemeClr>
+                </a:solidFill>
+                <a:latin typeface="Google Sans" panose="020B0503030502040204" pitchFamily="34" charset="0"/>
+                <a:ea typeface="Open Sans"/>
+                <a:cs typeface="Open Sans"/>
+                <a:sym typeface="Open Sans"/>
+              </a:rPr>
+              <a:t>báo</a:t>
+            </a:r>
+            <a:r>
+              <a:rPr lang="en-US" sz="1600" b="1" dirty="0" smtClean="0">
+                <a:solidFill>
+                  <a:schemeClr val="bg2">
+                    <a:lumMod val="50000"/>
+                  </a:schemeClr>
+                </a:solidFill>
+                <a:latin typeface="Google Sans" panose="020B0503030502040204" pitchFamily="34" charset="0"/>
+                <a:ea typeface="Open Sans"/>
+                <a:cs typeface="Open Sans"/>
+                <a:sym typeface="Open Sans"/>
+              </a:rPr>
+              <a:t> </a:t>
+            </a:r>
+            <a:r>
+              <a:rPr lang="en-US" sz="1600" b="1" dirty="0" err="1" smtClean="0">
+                <a:solidFill>
+                  <a:schemeClr val="bg2">
+                    <a:lumMod val="50000"/>
+                  </a:schemeClr>
+                </a:solidFill>
+                <a:latin typeface="Google Sans" panose="020B0503030502040204" pitchFamily="34" charset="0"/>
+                <a:ea typeface="Open Sans"/>
+                <a:cs typeface="Open Sans"/>
+                <a:sym typeface="Open Sans"/>
+              </a:rPr>
+              <a:t>dành</a:t>
+            </a:r>
+            <a:r>
+              <a:rPr lang="en-US" sz="1600" b="1" dirty="0" smtClean="0">
+                <a:solidFill>
+                  <a:schemeClr val="bg2">
+                    <a:lumMod val="50000"/>
+                  </a:schemeClr>
+                </a:solidFill>
+                <a:latin typeface="Google Sans" panose="020B0503030502040204" pitchFamily="34" charset="0"/>
+                <a:ea typeface="Open Sans"/>
+                <a:cs typeface="Open Sans"/>
+                <a:sym typeface="Open Sans"/>
+              </a:rPr>
+              <a:t> </a:t>
+            </a:r>
+            <a:r>
+              <a:rPr lang="en-US" sz="1600" b="1" dirty="0" err="1" smtClean="0">
+                <a:solidFill>
+                  <a:schemeClr val="bg2">
+                    <a:lumMod val="50000"/>
+                  </a:schemeClr>
+                </a:solidFill>
+                <a:latin typeface="Google Sans" panose="020B0503030502040204" pitchFamily="34" charset="0"/>
+                <a:ea typeface="Open Sans"/>
+                <a:cs typeface="Open Sans"/>
+                <a:sym typeface="Open Sans"/>
+              </a:rPr>
+              <a:t>cho</a:t>
+            </a:r>
+            <a:r>
+              <a:rPr lang="en-US" sz="1600" b="1" dirty="0" smtClean="0">
+                <a:solidFill>
+                  <a:schemeClr val="bg2">
+                    <a:lumMod val="50000"/>
+                  </a:schemeClr>
+                </a:solidFill>
+                <a:latin typeface="Google Sans" panose="020B0503030502040204" pitchFamily="34" charset="0"/>
+                <a:ea typeface="Open Sans"/>
+                <a:cs typeface="Open Sans"/>
+                <a:sym typeface="Open Sans"/>
+              </a:rPr>
+              <a:t> </a:t>
+            </a:r>
+            <a:r>
+              <a:rPr lang="en-US" sz="1600" b="1" dirty="0" err="1" smtClean="0">
+                <a:solidFill>
+                  <a:schemeClr val="bg2">
+                    <a:lumMod val="50000"/>
+                  </a:schemeClr>
+                </a:solidFill>
+                <a:latin typeface="Google Sans" panose="020B0503030502040204" pitchFamily="34" charset="0"/>
+                <a:ea typeface="Open Sans"/>
+                <a:cs typeface="Open Sans"/>
+                <a:sym typeface="Open Sans"/>
+              </a:rPr>
+              <a:t>người</a:t>
+            </a:r>
+            <a:r>
+              <a:rPr lang="en-US" sz="1600" b="1" dirty="0" smtClean="0">
+                <a:solidFill>
+                  <a:schemeClr val="bg2">
+                    <a:lumMod val="50000"/>
+                  </a:schemeClr>
+                </a:solidFill>
+                <a:latin typeface="Google Sans" panose="020B0503030502040204" pitchFamily="34" charset="0"/>
+                <a:ea typeface="Open Sans"/>
+                <a:cs typeface="Open Sans"/>
+                <a:sym typeface="Open Sans"/>
+              </a:rPr>
+              <a:t> </a:t>
+            </a:r>
+            <a:r>
+              <a:rPr lang="en-US" sz="1600" b="1" dirty="0" err="1" smtClean="0">
+                <a:solidFill>
+                  <a:schemeClr val="bg2">
+                    <a:lumMod val="50000"/>
+                  </a:schemeClr>
+                </a:solidFill>
+                <a:latin typeface="Google Sans" panose="020B0503030502040204" pitchFamily="34" charset="0"/>
+                <a:ea typeface="Open Sans"/>
+                <a:cs typeface="Open Sans"/>
+                <a:sym typeface="Open Sans"/>
+              </a:rPr>
+              <a:t>đi</a:t>
+            </a:r>
+            <a:r>
+              <a:rPr lang="en-US" sz="1600" b="1" dirty="0" smtClean="0">
+                <a:solidFill>
+                  <a:schemeClr val="bg2">
+                    <a:lumMod val="50000"/>
+                  </a:schemeClr>
+                </a:solidFill>
+                <a:latin typeface="Google Sans" panose="020B0503030502040204" pitchFamily="34" charset="0"/>
+                <a:ea typeface="Open Sans"/>
+                <a:cs typeface="Open Sans"/>
+                <a:sym typeface="Open Sans"/>
+              </a:rPr>
+              <a:t> </a:t>
+            </a:r>
+            <a:r>
+              <a:rPr lang="en-US" sz="1600" b="1" dirty="0" err="1" smtClean="0">
+                <a:solidFill>
+                  <a:schemeClr val="bg2">
+                    <a:lumMod val="50000"/>
+                  </a:schemeClr>
+                </a:solidFill>
+                <a:latin typeface="Google Sans" panose="020B0503030502040204" pitchFamily="34" charset="0"/>
+                <a:ea typeface="Open Sans"/>
+                <a:cs typeface="Open Sans"/>
+                <a:sym typeface="Open Sans"/>
+              </a:rPr>
+              <a:t>bộ</a:t>
+            </a:r>
+            <a:endParaRPr lang="en-US" sz="1600" b="1" dirty="0" smtClean="0">
+              <a:solidFill>
+                <a:schemeClr val="bg2">
+                  <a:lumMod val="50000"/>
+                </a:schemeClr>
+              </a:solidFill>
+              <a:latin typeface="Google Sans" panose="020B0503030502040204" pitchFamily="34" charset="0"/>
+              <a:ea typeface="Open Sans"/>
+              <a:cs typeface="Open Sans"/>
+              <a:sym typeface="Open Sans"/>
+            </a:endParaRPr>
+          </a:p>
+          <a:p>
+            <a:pPr marL="0" lvl="0" indent="0" rtl="0">
+              <a:spcBef>
+                <a:spcPts val="0"/>
+              </a:spcBef>
+              <a:spcAft>
+                <a:spcPts val="0"/>
+              </a:spcAft>
+              <a:buNone/>
+            </a:pPr>
+            <a:endParaRPr lang="en-US" sz="1600" b="1" dirty="0">
+              <a:solidFill>
+                <a:schemeClr val="bg2">
+                  <a:lumMod val="50000"/>
+                </a:schemeClr>
+              </a:solidFill>
+              <a:latin typeface="Google Sans" panose="020B0503030502040204" pitchFamily="34" charset="0"/>
+              <a:ea typeface="Open Sans"/>
+              <a:cs typeface="Open Sans"/>
+              <a:sym typeface="Open Sans"/>
+            </a:endParaRPr>
+          </a:p>
+          <a:p>
+            <a:pPr marL="0" lvl="0" indent="0" rtl="0">
+              <a:spcBef>
+                <a:spcPts val="0"/>
+              </a:spcBef>
+              <a:spcAft>
+                <a:spcPts val="0"/>
+              </a:spcAft>
+              <a:buNone/>
+            </a:pPr>
+            <a:r>
+              <a:rPr lang="en-US" sz="1600" b="1" dirty="0" smtClean="0">
+                <a:solidFill>
+                  <a:schemeClr val="bg2">
+                    <a:lumMod val="50000"/>
+                  </a:schemeClr>
+                </a:solidFill>
+                <a:latin typeface="Google Sans" panose="020B0503030502040204" pitchFamily="34" charset="0"/>
+                <a:ea typeface="Open Sans"/>
+                <a:cs typeface="Open Sans"/>
+                <a:sym typeface="Open Sans"/>
+              </a:rPr>
+              <a:t>5. </a:t>
+            </a:r>
+            <a:r>
+              <a:rPr lang="en-US" sz="1600" b="1" dirty="0" err="1" smtClean="0">
+                <a:solidFill>
+                  <a:schemeClr val="bg2">
+                    <a:lumMod val="50000"/>
+                  </a:schemeClr>
+                </a:solidFill>
+                <a:latin typeface="Google Sans" panose="020B0503030502040204" pitchFamily="34" charset="0"/>
+                <a:ea typeface="Open Sans"/>
+                <a:cs typeface="Open Sans"/>
+                <a:sym typeface="Open Sans"/>
+              </a:rPr>
+              <a:t>Gửi</a:t>
+            </a:r>
+            <a:r>
+              <a:rPr lang="en-US" sz="1600" b="1" dirty="0" smtClean="0">
+                <a:solidFill>
+                  <a:schemeClr val="bg2">
+                    <a:lumMod val="50000"/>
+                  </a:schemeClr>
+                </a:solidFill>
+                <a:latin typeface="Google Sans" panose="020B0503030502040204" pitchFamily="34" charset="0"/>
+                <a:ea typeface="Open Sans"/>
+                <a:cs typeface="Open Sans"/>
+                <a:sym typeface="Open Sans"/>
+              </a:rPr>
+              <a:t> </a:t>
+            </a:r>
+            <a:r>
+              <a:rPr lang="en-US" sz="1600" b="1" dirty="0" err="1" smtClean="0">
+                <a:solidFill>
+                  <a:schemeClr val="bg2">
+                    <a:lumMod val="50000"/>
+                  </a:schemeClr>
+                </a:solidFill>
+                <a:latin typeface="Google Sans" panose="020B0503030502040204" pitchFamily="34" charset="0"/>
+                <a:ea typeface="Open Sans"/>
+                <a:cs typeface="Open Sans"/>
+                <a:sym typeface="Open Sans"/>
+              </a:rPr>
+              <a:t>tính</a:t>
+            </a:r>
+            <a:r>
+              <a:rPr lang="en-US" sz="1600" b="1" dirty="0" smtClean="0">
+                <a:solidFill>
+                  <a:schemeClr val="bg2">
+                    <a:lumMod val="50000"/>
+                  </a:schemeClr>
+                </a:solidFill>
+                <a:latin typeface="Google Sans" panose="020B0503030502040204" pitchFamily="34" charset="0"/>
+                <a:ea typeface="Open Sans"/>
+                <a:cs typeface="Open Sans"/>
+                <a:sym typeface="Open Sans"/>
+              </a:rPr>
+              <a:t> </a:t>
+            </a:r>
+            <a:r>
+              <a:rPr lang="en-US" sz="1600" b="1" dirty="0" err="1" smtClean="0">
+                <a:solidFill>
+                  <a:schemeClr val="bg2">
+                    <a:lumMod val="50000"/>
+                  </a:schemeClr>
+                </a:solidFill>
+                <a:latin typeface="Google Sans" panose="020B0503030502040204" pitchFamily="34" charset="0"/>
+                <a:ea typeface="Open Sans"/>
+                <a:cs typeface="Open Sans"/>
+                <a:sym typeface="Open Sans"/>
+              </a:rPr>
+              <a:t>hiệu</a:t>
+            </a:r>
+            <a:r>
+              <a:rPr lang="en-US" sz="1600" b="1" dirty="0" smtClean="0">
+                <a:solidFill>
+                  <a:schemeClr val="bg2">
+                    <a:lumMod val="50000"/>
+                  </a:schemeClr>
+                </a:solidFill>
+                <a:latin typeface="Google Sans" panose="020B0503030502040204" pitchFamily="34" charset="0"/>
+                <a:ea typeface="Open Sans"/>
+                <a:cs typeface="Open Sans"/>
+                <a:sym typeface="Open Sans"/>
+              </a:rPr>
+              <a:t> UART </a:t>
+            </a:r>
+            <a:r>
+              <a:rPr lang="en-US" sz="1600" b="1" dirty="0" err="1" smtClean="0">
+                <a:solidFill>
+                  <a:schemeClr val="bg2">
+                    <a:lumMod val="50000"/>
+                  </a:schemeClr>
+                </a:solidFill>
+                <a:latin typeface="Google Sans" panose="020B0503030502040204" pitchFamily="34" charset="0"/>
+                <a:ea typeface="Open Sans"/>
+                <a:cs typeface="Open Sans"/>
+                <a:sym typeface="Open Sans"/>
+              </a:rPr>
+              <a:t>để</a:t>
+            </a:r>
+            <a:r>
+              <a:rPr lang="en-US" sz="1600" b="1" dirty="0" smtClean="0">
+                <a:solidFill>
+                  <a:schemeClr val="bg2">
+                    <a:lumMod val="50000"/>
+                  </a:schemeClr>
+                </a:solidFill>
+                <a:latin typeface="Google Sans" panose="020B0503030502040204" pitchFamily="34" charset="0"/>
+                <a:ea typeface="Open Sans"/>
+                <a:cs typeface="Open Sans"/>
+                <a:sym typeface="Open Sans"/>
+              </a:rPr>
+              <a:t> </a:t>
+            </a:r>
+            <a:r>
+              <a:rPr lang="en-US" sz="1600" b="1" dirty="0" err="1" smtClean="0">
+                <a:solidFill>
+                  <a:schemeClr val="bg2">
+                    <a:lumMod val="50000"/>
+                  </a:schemeClr>
+                </a:solidFill>
+                <a:latin typeface="Google Sans" panose="020B0503030502040204" pitchFamily="34" charset="0"/>
+                <a:ea typeface="Open Sans"/>
+                <a:cs typeface="Open Sans"/>
+                <a:sym typeface="Open Sans"/>
+              </a:rPr>
+              <a:t>kiểm</a:t>
+            </a:r>
+            <a:r>
+              <a:rPr lang="en-US" sz="1600" b="1" dirty="0" smtClean="0">
+                <a:solidFill>
+                  <a:schemeClr val="bg2">
+                    <a:lumMod val="50000"/>
+                  </a:schemeClr>
+                </a:solidFill>
+                <a:latin typeface="Google Sans" panose="020B0503030502040204" pitchFamily="34" charset="0"/>
+                <a:ea typeface="Open Sans"/>
+                <a:cs typeface="Open Sans"/>
+                <a:sym typeface="Open Sans"/>
+              </a:rPr>
+              <a:t> </a:t>
+            </a:r>
+            <a:r>
+              <a:rPr lang="en-US" sz="1600" b="1" dirty="0" err="1" smtClean="0">
+                <a:solidFill>
+                  <a:schemeClr val="bg2">
+                    <a:lumMod val="50000"/>
+                  </a:schemeClr>
+                </a:solidFill>
+                <a:latin typeface="Google Sans" panose="020B0503030502040204" pitchFamily="34" charset="0"/>
+                <a:ea typeface="Open Sans"/>
+                <a:cs typeface="Open Sans"/>
+                <a:sym typeface="Open Sans"/>
+              </a:rPr>
+              <a:t>tra</a:t>
+            </a:r>
+            <a:r>
+              <a:rPr lang="en-US" sz="1600" b="1" dirty="0" smtClean="0">
+                <a:solidFill>
+                  <a:schemeClr val="bg2">
+                    <a:lumMod val="50000"/>
+                  </a:schemeClr>
+                </a:solidFill>
+                <a:latin typeface="Google Sans" panose="020B0503030502040204" pitchFamily="34" charset="0"/>
+                <a:ea typeface="Open Sans"/>
+                <a:cs typeface="Open Sans"/>
+                <a:sym typeface="Open Sans"/>
+              </a:rPr>
+              <a:t> </a:t>
+            </a:r>
+            <a:r>
+              <a:rPr lang="en-US" sz="1600" b="1" dirty="0" err="1" smtClean="0">
+                <a:solidFill>
+                  <a:schemeClr val="bg2">
+                    <a:lumMod val="50000"/>
+                  </a:schemeClr>
+                </a:solidFill>
+                <a:latin typeface="Google Sans" panose="020B0503030502040204" pitchFamily="34" charset="0"/>
+                <a:ea typeface="Open Sans"/>
+                <a:cs typeface="Open Sans"/>
+                <a:sym typeface="Open Sans"/>
+              </a:rPr>
+              <a:t>hệ</a:t>
+            </a:r>
+            <a:r>
+              <a:rPr lang="en-US" sz="1600" b="1" dirty="0" smtClean="0">
+                <a:solidFill>
+                  <a:schemeClr val="bg2">
+                    <a:lumMod val="50000"/>
+                  </a:schemeClr>
+                </a:solidFill>
+                <a:latin typeface="Google Sans" panose="020B0503030502040204" pitchFamily="34" charset="0"/>
+                <a:ea typeface="Open Sans"/>
+                <a:cs typeface="Open Sans"/>
+                <a:sym typeface="Open Sans"/>
+              </a:rPr>
+              <a:t> </a:t>
+            </a:r>
+            <a:r>
+              <a:rPr lang="en-US" sz="1600" b="1" dirty="0" err="1" smtClean="0">
+                <a:solidFill>
+                  <a:schemeClr val="bg2">
+                    <a:lumMod val="50000"/>
+                  </a:schemeClr>
+                </a:solidFill>
+                <a:latin typeface="Google Sans" panose="020B0503030502040204" pitchFamily="34" charset="0"/>
+                <a:ea typeface="Open Sans"/>
+                <a:cs typeface="Open Sans"/>
+                <a:sym typeface="Open Sans"/>
+              </a:rPr>
+              <a:t>thống</a:t>
+            </a:r>
+            <a:r>
+              <a:rPr lang="en-US" sz="1600" b="1" dirty="0" smtClean="0">
+                <a:solidFill>
+                  <a:schemeClr val="bg2">
+                    <a:lumMod val="50000"/>
+                  </a:schemeClr>
+                </a:solidFill>
+                <a:latin typeface="Google Sans" panose="020B0503030502040204" pitchFamily="34" charset="0"/>
+                <a:ea typeface="Open Sans"/>
+                <a:cs typeface="Open Sans"/>
+                <a:sym typeface="Open Sans"/>
+              </a:rPr>
+              <a:t> </a:t>
+            </a:r>
+            <a:r>
+              <a:rPr lang="en-US" sz="1600" b="1" dirty="0" err="1" smtClean="0">
+                <a:solidFill>
+                  <a:schemeClr val="bg2">
+                    <a:lumMod val="50000"/>
+                  </a:schemeClr>
+                </a:solidFill>
+                <a:latin typeface="Google Sans" panose="020B0503030502040204" pitchFamily="34" charset="0"/>
+                <a:ea typeface="Open Sans"/>
+                <a:cs typeface="Open Sans"/>
+                <a:sym typeface="Open Sans"/>
+              </a:rPr>
+              <a:t>từ</a:t>
+            </a:r>
+            <a:r>
+              <a:rPr lang="en-US" sz="1600" b="1" dirty="0" smtClean="0">
+                <a:solidFill>
+                  <a:schemeClr val="bg2">
+                    <a:lumMod val="50000"/>
+                  </a:schemeClr>
+                </a:solidFill>
+                <a:latin typeface="Google Sans" panose="020B0503030502040204" pitchFamily="34" charset="0"/>
+                <a:ea typeface="Open Sans"/>
+                <a:cs typeface="Open Sans"/>
+                <a:sym typeface="Open Sans"/>
+              </a:rPr>
+              <a:t> </a:t>
+            </a:r>
+            <a:r>
+              <a:rPr lang="en-US" sz="1600" b="1" dirty="0" err="1" smtClean="0">
+                <a:solidFill>
+                  <a:schemeClr val="bg2">
+                    <a:lumMod val="50000"/>
+                  </a:schemeClr>
+                </a:solidFill>
+                <a:latin typeface="Google Sans" panose="020B0503030502040204" pitchFamily="34" charset="0"/>
+                <a:ea typeface="Open Sans"/>
+                <a:cs typeface="Open Sans"/>
+                <a:sym typeface="Open Sans"/>
+              </a:rPr>
+              <a:t>xa</a:t>
+            </a:r>
+            <a:endParaRPr lang="en-US" sz="1600" b="1" dirty="0" smtClean="0">
+              <a:solidFill>
+                <a:schemeClr val="bg2">
+                  <a:lumMod val="50000"/>
+                </a:schemeClr>
+              </a:solidFill>
+              <a:latin typeface="Google Sans" panose="020B0503030502040204" pitchFamily="34" charset="0"/>
+              <a:ea typeface="Open Sans"/>
+              <a:cs typeface="Open Sans"/>
+              <a:sym typeface="Open Sans"/>
+            </a:endParaRPr>
+          </a:p>
+          <a:p>
+            <a:pPr marL="0" lvl="0" indent="0" algn="ctr" rtl="0">
+              <a:spcBef>
+                <a:spcPts val="0"/>
+              </a:spcBef>
+              <a:spcAft>
+                <a:spcPts val="0"/>
+              </a:spcAft>
+              <a:buNone/>
+            </a:pPr>
+            <a:endParaRPr lang="en-US" sz="1600" b="1" dirty="0">
+              <a:solidFill>
+                <a:schemeClr val="bg2">
+                  <a:lumMod val="50000"/>
+                </a:schemeClr>
+              </a:solidFill>
+              <a:latin typeface="Google Sans" panose="020B0503030502040204" pitchFamily="34" charset="0"/>
+              <a:ea typeface="Open Sans"/>
+              <a:cs typeface="Open Sans"/>
+              <a:sym typeface="Open Sans"/>
+            </a:endParaRPr>
+          </a:p>
+          <a:p>
+            <a:pPr marL="0" lvl="0" indent="0" algn="ctr" rtl="0">
+              <a:spcBef>
+                <a:spcPts val="0"/>
+              </a:spcBef>
+              <a:spcAft>
+                <a:spcPts val="0"/>
+              </a:spcAft>
+              <a:buNone/>
+            </a:pPr>
+            <a:endParaRPr sz="1600" b="1" dirty="0">
+              <a:solidFill>
+                <a:schemeClr val="bg2">
+                  <a:lumMod val="50000"/>
+                </a:schemeClr>
+              </a:solidFill>
+              <a:latin typeface="Google Sans" panose="020B0503030502040204" pitchFamily="34" charset="0"/>
+              <a:ea typeface="Open Sans"/>
+              <a:cs typeface="Open Sans"/>
+              <a:sym typeface="Open Sans"/>
+            </a:endParaRPr>
+          </a:p>
+        </p:txBody>
+      </p:sp>
+    </p:spTree>
+    <p:extLst>
+      <p:ext uri="{BB962C8B-B14F-4D97-AF65-F5344CB8AC3E}">
+        <p14:creationId xmlns:p14="http://schemas.microsoft.com/office/powerpoint/2010/main" val="2043498410"/>
+      </p:ext>
+    </p:extLst>
+  </p:cSld>
+  <p:clrMapOvr>
+    <a:masterClrMapping/>
+  </p:clrMapOvr>
+  <mc:AlternateContent xmlns:mc="http://schemas.openxmlformats.org/markup-compatibility/2006" xmlns:p14="http://schemas.microsoft.com/office/powerpoint/2010/main">
+    <mc:Choice Requires="p14">
+      <p:transition spd="slow" p14:dur="1500">
+        <p:split orient="vert"/>
+      </p:transition>
+    </mc:Choice>
+    <mc:Fallback xmlns="">
+      <p:transition spd="slow">
+        <p:split orient="vert"/>
+      </p:transition>
+    </mc:Fallback>
+  </mc:AlternateContent>
+  <p:timing>
+    <p:tnLst>
+      <p:par>
+        <p:cTn id="1" dur="indefinite" restart="never" nodeType="tmRoot"/>
+      </p:par>
+    </p:tnLst>
+  </p:timing>
+</p:sld>
+</file>
+
+<file path=ppt/slides/slide7.xml><?xml version="1.0" encoding="utf-8"?>
+<p:sld xmlns:a="http://schemas.openxmlformats.org/drawingml/2006/main" xmlns:r="http://schemas.openxmlformats.org/officeDocument/2006/relationships" xmlns:p="http://schemas.openxmlformats.org/presentationml/2006/main">
+  <p:cSld>
+    <p:spTree>
+      <p:nvGrpSpPr>
         <p:cNvPr id="1" name="Shape 365"/>
         <p:cNvGrpSpPr/>
         <p:nvPr/>
@@ -28485,18 +30583,8 @@
                 <a:ea typeface="Open Sans" panose="020B0604020202020204" charset="0"/>
                 <a:cs typeface="Open Sans" panose="020B0604020202020204" charset="0"/>
               </a:rPr>
-              <a:t>6</a:t>
-            </a:r>
-            <a:endParaRPr lang="en-US" b="1" dirty="0">
-              <a:solidFill>
-                <a:schemeClr val="bg2">
-                  <a:lumMod val="50000"/>
-                </a:schemeClr>
-              </a:solidFill>
-              <a:latin typeface="Open Sans" panose="020B0604020202020204" charset="0"/>
-              <a:ea typeface="Open Sans" panose="020B0604020202020204" charset="0"/>
-              <a:cs typeface="Open Sans" panose="020B0604020202020204" charset="0"/>
-            </a:endParaRPr>
+              <a:t>7</a:t>
+            </a:r>
           </a:p>
         </p:txBody>
       </p:sp>
@@ -28553,7 +30641,7 @@
 </p:sld>
 </file>
 
-<file path=ppt/slides/slide7.xml><?xml version="1.0" encoding="utf-8"?>
+<file path=ppt/slides/slide8.xml><?xml version="1.0" encoding="utf-8"?>
 <p:sld xmlns:a="http://schemas.openxmlformats.org/drawingml/2006/main" xmlns:r="http://schemas.openxmlformats.org/officeDocument/2006/relationships" xmlns:p="http://schemas.openxmlformats.org/presentationml/2006/main">
   <p:cSld>
     <p:bg>
@@ -28693,18 +30781,8 @@
                 <a:ea typeface="Open Sans" panose="020B0604020202020204" charset="0"/>
                 <a:cs typeface="Open Sans" panose="020B0604020202020204" charset="0"/>
               </a:rPr>
-              <a:t>7</a:t>
-            </a:r>
-            <a:endParaRPr lang="en-US" b="1" dirty="0">
-              <a:solidFill>
-                <a:schemeClr val="bg2">
-                  <a:lumMod val="50000"/>
-                </a:schemeClr>
-              </a:solidFill>
-              <a:latin typeface="Google Sans" panose="020B0503030502040204" pitchFamily="34" charset="0"/>
-              <a:ea typeface="Open Sans" panose="020B0604020202020204" charset="0"/>
-              <a:cs typeface="Open Sans" panose="020B0604020202020204" charset="0"/>
-            </a:endParaRPr>
+              <a:t>8</a:t>
+            </a:r>
           </a:p>
         </p:txBody>
       </p:sp>
@@ -28731,7 +30809,7 @@
 </p:sld>
 </file>
 
-<file path=ppt/slides/slide8.xml><?xml version="1.0" encoding="utf-8"?>
+<file path=ppt/slides/slide9.xml><?xml version="1.0" encoding="utf-8"?>
 <p:sld xmlns:a="http://schemas.openxmlformats.org/drawingml/2006/main" xmlns:r="http://schemas.openxmlformats.org/officeDocument/2006/relationships" xmlns:p="http://schemas.openxmlformats.org/presentationml/2006/main">
   <p:cSld>
     <p:bg>
@@ -28936,18 +31014,8 @@
                 <a:ea typeface="Open Sans" panose="020B0604020202020204" charset="0"/>
                 <a:cs typeface="Open Sans" panose="020B0604020202020204" charset="0"/>
               </a:rPr>
-              <a:t>8</a:t>
-            </a:r>
-            <a:endParaRPr lang="en-US" b="1" dirty="0">
-              <a:solidFill>
-                <a:schemeClr val="bg2">
-                  <a:lumMod val="50000"/>
-                </a:schemeClr>
-              </a:solidFill>
-              <a:latin typeface="Google Sans" panose="020B0503030502040204" pitchFamily="34" charset="0"/>
-              <a:ea typeface="Open Sans" panose="020B0604020202020204" charset="0"/>
-              <a:cs typeface="Open Sans" panose="020B0604020202020204" charset="0"/>
-            </a:endParaRPr>
+              <a:t>9</a:t>
+            </a:r>
           </a:p>
         </p:txBody>
       </p:sp>
@@ -28955,217 +31023,6 @@
     <p:extLst>
       <p:ext uri="{BB962C8B-B14F-4D97-AF65-F5344CB8AC3E}">
         <p14:creationId xmlns:p14="http://schemas.microsoft.com/office/powerpoint/2010/main" val="1155392316"/>
-      </p:ext>
-    </p:extLst>
-  </p:cSld>
-  <p:clrMapOvr>
-    <a:masterClrMapping/>
-  </p:clrMapOvr>
-  <p:transition spd="slow">
-    <p:push dir="u"/>
-  </p:transition>
-  <p:timing>
-    <p:tnLst>
-      <p:par>
-        <p:cTn id="1" dur="indefinite" restart="never" nodeType="tmRoot"/>
-      </p:par>
-    </p:tnLst>
-  </p:timing>
-</p:sld>
-</file>
-
-<file path=ppt/slides/slide9.xml><?xml version="1.0" encoding="utf-8"?>
-<p:sld xmlns:a="http://schemas.openxmlformats.org/drawingml/2006/main" xmlns:r="http://schemas.openxmlformats.org/officeDocument/2006/relationships" xmlns:p="http://schemas.openxmlformats.org/presentationml/2006/main">
-  <p:cSld>
-    <p:spTree>
-      <p:nvGrpSpPr>
-        <p:cNvPr id="1" name="Shape 365"/>
-        <p:cNvGrpSpPr/>
-        <p:nvPr/>
-      </p:nvGrpSpPr>
-      <p:grpSpPr>
-        <a:xfrm>
-          <a:off x="0" y="0"/>
-          <a:ext cx="0" cy="0"/>
-          <a:chOff x="0" y="0"/>
-          <a:chExt cx="0" cy="0"/>
-        </a:xfrm>
-      </p:grpSpPr>
-      <p:sp>
-        <p:nvSpPr>
-          <p:cNvPr id="367" name="Google Shape;367;p39"/>
-          <p:cNvSpPr txBox="1">
-            <a:spLocks noGrp="1"/>
-          </p:cNvSpPr>
-          <p:nvPr>
-            <p:ph type="title"/>
-          </p:nvPr>
-        </p:nvSpPr>
-        <p:spPr>
-          <a:xfrm>
-            <a:off x="0" y="2777991"/>
-            <a:ext cx="9144000" cy="2365509"/>
-          </a:xfrm>
-          <a:prstGeom prst="rect">
-            <a:avLst/>
-          </a:prstGeom>
-        </p:spPr>
-        <p:txBody>
-          <a:bodyPr spcFirstLastPara="1" wrap="square" lIns="91425" tIns="91425" rIns="91425" bIns="91425" anchor="ctr" anchorCtr="0">
-            <a:noAutofit/>
-          </a:bodyPr>
-          <a:lstStyle/>
-          <a:p>
-            <a:pPr marL="0" lvl="0" indent="0" rtl="0">
-              <a:spcBef>
-                <a:spcPts val="0"/>
-              </a:spcBef>
-              <a:spcAft>
-                <a:spcPts val="0"/>
-              </a:spcAft>
-              <a:buNone/>
-            </a:pPr>
-            <a:r>
-              <a:rPr lang="en" b="1" dirty="0" smtClean="0">
-                <a:latin typeface="Google Sans" panose="020B0503030502040204" pitchFamily="34" charset="0"/>
-                <a:ea typeface="Open Sans" panose="020B0604020202020204" charset="0"/>
-                <a:cs typeface="Open Sans" panose="020B0604020202020204" charset="0"/>
-              </a:rPr>
-              <a:t>MÔ PHỎNG VÀ PHÂN TÍCH</a:t>
-            </a:r>
-            <a:endParaRPr b="1" dirty="0">
-              <a:latin typeface="Google Sans" panose="020B0503030502040204" pitchFamily="34" charset="0"/>
-              <a:ea typeface="Open Sans" panose="020B0604020202020204" charset="0"/>
-              <a:cs typeface="Open Sans" panose="020B0604020202020204" charset="0"/>
-            </a:endParaRPr>
-          </a:p>
-        </p:txBody>
-      </p:sp>
-      <p:sp>
-        <p:nvSpPr>
-          <p:cNvPr id="366" name="Google Shape;366;p39"/>
-          <p:cNvSpPr txBox="1">
-            <a:spLocks noGrp="1"/>
-          </p:cNvSpPr>
-          <p:nvPr>
-            <p:ph type="title" idx="2"/>
-          </p:nvPr>
-        </p:nvSpPr>
-        <p:spPr>
-          <a:prstGeom prst="rect">
-            <a:avLst/>
-          </a:prstGeom>
-        </p:spPr>
-        <p:txBody>
-          <a:bodyPr spcFirstLastPara="1" wrap="square" lIns="91425" tIns="91425" rIns="91425" bIns="91425" anchor="b" anchorCtr="0">
-            <a:noAutofit/>
-          </a:bodyPr>
-          <a:lstStyle/>
-          <a:p>
-            <a:pPr marL="0" lvl="0" indent="0" algn="ctr" rtl="0">
-              <a:spcBef>
-                <a:spcPts val="0"/>
-              </a:spcBef>
-              <a:spcAft>
-                <a:spcPts val="0"/>
-              </a:spcAft>
-              <a:buNone/>
-            </a:pPr>
-            <a:r>
-              <a:rPr lang="en" b="1" dirty="0" smtClean="0">
-                <a:latin typeface="Google Sans" panose="020B0503030502040204" pitchFamily="34" charset="0"/>
-              </a:rPr>
-              <a:t>03</a:t>
-            </a:r>
-            <a:endParaRPr b="1" dirty="0">
-              <a:latin typeface="Google Sans" panose="020B0503030502040204" pitchFamily="34" charset="0"/>
-            </a:endParaRPr>
-          </a:p>
-        </p:txBody>
-      </p:sp>
-      <p:sp>
-        <p:nvSpPr>
-          <p:cNvPr id="4" name="TextBox 3"/>
-          <p:cNvSpPr txBox="1"/>
-          <p:nvPr/>
-        </p:nvSpPr>
-        <p:spPr>
-          <a:xfrm>
-            <a:off x="8801100" y="4822031"/>
-            <a:ext cx="342900" cy="315664"/>
-          </a:xfrm>
-          <a:prstGeom prst="rect">
-            <a:avLst/>
-          </a:prstGeom>
-          <a:noFill/>
-        </p:spPr>
-        <p:txBody>
-          <a:bodyPr wrap="square" rtlCol="0">
-            <a:spAutoFit/>
-          </a:bodyPr>
-          <a:lstStyle/>
-          <a:p>
-            <a:pPr algn="ctr"/>
-            <a:r>
-              <a:rPr lang="en-US" b="1" dirty="0">
-                <a:solidFill>
-                  <a:schemeClr val="bg2">
-                    <a:lumMod val="50000"/>
-                  </a:schemeClr>
-                </a:solidFill>
-                <a:latin typeface="Open Sans" panose="020B0604020202020204" charset="0"/>
-                <a:ea typeface="Open Sans" panose="020B0604020202020204" charset="0"/>
-                <a:cs typeface="Open Sans" panose="020B0604020202020204" charset="0"/>
-              </a:rPr>
-              <a:t>9</a:t>
-            </a:r>
-            <a:endParaRPr lang="en-US" b="1" dirty="0">
-              <a:solidFill>
-                <a:schemeClr val="bg2">
-                  <a:lumMod val="50000"/>
-                </a:schemeClr>
-              </a:solidFill>
-              <a:latin typeface="Open Sans" panose="020B0604020202020204" charset="0"/>
-              <a:ea typeface="Open Sans" panose="020B0604020202020204" charset="0"/>
-              <a:cs typeface="Open Sans" panose="020B0604020202020204" charset="0"/>
-            </a:endParaRPr>
-          </a:p>
-        </p:txBody>
-      </p:sp>
-      <p:pic>
-        <p:nvPicPr>
-          <p:cNvPr id="5" name="Picture 4"/>
-          <p:cNvPicPr>
-            <a:picLocks noChangeAspect="1"/>
-          </p:cNvPicPr>
-          <p:nvPr/>
-        </p:nvPicPr>
-        <p:blipFill>
-          <a:blip r:embed="rId3">
-            <a:extLst>
-              <a:ext uri="{28A0092B-C50C-407E-A947-70E740481C1C}">
-                <a14:useLocalDpi xmlns:a14="http://schemas.microsoft.com/office/drawing/2010/main" val="0"/>
-              </a:ext>
-            </a:extLst>
-          </a:blip>
-          <a:stretch>
-            <a:fillRect/>
-          </a:stretch>
-        </p:blipFill>
-        <p:spPr>
-          <a:xfrm>
-            <a:off x="-328312" y="18571"/>
-            <a:ext cx="1299436" cy="918752"/>
-          </a:xfrm>
-          <a:prstGeom prst="rect">
-            <a:avLst/>
-          </a:prstGeom>
-        </p:spPr>
-      </p:pic>
-    </p:spTree>
-    <p:extLst>
-      <p:ext uri="{BB962C8B-B14F-4D97-AF65-F5344CB8AC3E}">
-        <p14:creationId xmlns:p14="http://schemas.microsoft.com/office/powerpoint/2010/main" val="442104739"/>
       </p:ext>
     </p:extLst>
   </p:cSld>
